--- a/fig/reorder.pptx
+++ b/fig/reorder.pptx
@@ -259,7 +259,7 @@
           <a:p>
             <a:fld id="{2D696E15-D4DC-E445-ADE0-FDBD21AE7E44}" type="datetimeFigureOut">
               <a:rPr kumimoji="1" lang="zh-CN" altLang="en-US" smtClean="0"/>
-              <a:t>2025/10/24</a:t>
+              <a:t>2025/10/31</a:t>
             </a:fld>
             <a:endParaRPr kumimoji="1" lang="zh-CN" altLang="en-US"/>
           </a:p>
@@ -457,7 +457,7 @@
           <a:p>
             <a:fld id="{2D696E15-D4DC-E445-ADE0-FDBD21AE7E44}" type="datetimeFigureOut">
               <a:rPr kumimoji="1" lang="zh-CN" altLang="en-US" smtClean="0"/>
-              <a:t>2025/10/24</a:t>
+              <a:t>2025/10/31</a:t>
             </a:fld>
             <a:endParaRPr kumimoji="1" lang="zh-CN" altLang="en-US"/>
           </a:p>
@@ -665,7 +665,7 @@
           <a:p>
             <a:fld id="{2D696E15-D4DC-E445-ADE0-FDBD21AE7E44}" type="datetimeFigureOut">
               <a:rPr kumimoji="1" lang="zh-CN" altLang="en-US" smtClean="0"/>
-              <a:t>2025/10/24</a:t>
+              <a:t>2025/10/31</a:t>
             </a:fld>
             <a:endParaRPr kumimoji="1" lang="zh-CN" altLang="en-US"/>
           </a:p>
@@ -863,7 +863,7 @@
           <a:p>
             <a:fld id="{2D696E15-D4DC-E445-ADE0-FDBD21AE7E44}" type="datetimeFigureOut">
               <a:rPr kumimoji="1" lang="zh-CN" altLang="en-US" smtClean="0"/>
-              <a:t>2025/10/24</a:t>
+              <a:t>2025/10/31</a:t>
             </a:fld>
             <a:endParaRPr kumimoji="1" lang="zh-CN" altLang="en-US"/>
           </a:p>
@@ -1138,7 +1138,7 @@
           <a:p>
             <a:fld id="{2D696E15-D4DC-E445-ADE0-FDBD21AE7E44}" type="datetimeFigureOut">
               <a:rPr kumimoji="1" lang="zh-CN" altLang="en-US" smtClean="0"/>
-              <a:t>2025/10/24</a:t>
+              <a:t>2025/10/31</a:t>
             </a:fld>
             <a:endParaRPr kumimoji="1" lang="zh-CN" altLang="en-US"/>
           </a:p>
@@ -1403,7 +1403,7 @@
           <a:p>
             <a:fld id="{2D696E15-D4DC-E445-ADE0-FDBD21AE7E44}" type="datetimeFigureOut">
               <a:rPr kumimoji="1" lang="zh-CN" altLang="en-US" smtClean="0"/>
-              <a:t>2025/10/24</a:t>
+              <a:t>2025/10/31</a:t>
             </a:fld>
             <a:endParaRPr kumimoji="1" lang="zh-CN" altLang="en-US"/>
           </a:p>
@@ -1815,7 +1815,7 @@
           <a:p>
             <a:fld id="{2D696E15-D4DC-E445-ADE0-FDBD21AE7E44}" type="datetimeFigureOut">
               <a:rPr kumimoji="1" lang="zh-CN" altLang="en-US" smtClean="0"/>
-              <a:t>2025/10/24</a:t>
+              <a:t>2025/10/31</a:t>
             </a:fld>
             <a:endParaRPr kumimoji="1" lang="zh-CN" altLang="en-US"/>
           </a:p>
@@ -1956,7 +1956,7 @@
           <a:p>
             <a:fld id="{2D696E15-D4DC-E445-ADE0-FDBD21AE7E44}" type="datetimeFigureOut">
               <a:rPr kumimoji="1" lang="zh-CN" altLang="en-US" smtClean="0"/>
-              <a:t>2025/10/24</a:t>
+              <a:t>2025/10/31</a:t>
             </a:fld>
             <a:endParaRPr kumimoji="1" lang="zh-CN" altLang="en-US"/>
           </a:p>
@@ -2069,7 +2069,7 @@
           <a:p>
             <a:fld id="{2D696E15-D4DC-E445-ADE0-FDBD21AE7E44}" type="datetimeFigureOut">
               <a:rPr kumimoji="1" lang="zh-CN" altLang="en-US" smtClean="0"/>
-              <a:t>2025/10/24</a:t>
+              <a:t>2025/10/31</a:t>
             </a:fld>
             <a:endParaRPr kumimoji="1" lang="zh-CN" altLang="en-US"/>
           </a:p>
@@ -2380,7 +2380,7 @@
           <a:p>
             <a:fld id="{2D696E15-D4DC-E445-ADE0-FDBD21AE7E44}" type="datetimeFigureOut">
               <a:rPr kumimoji="1" lang="zh-CN" altLang="en-US" smtClean="0"/>
-              <a:t>2025/10/24</a:t>
+              <a:t>2025/10/31</a:t>
             </a:fld>
             <a:endParaRPr kumimoji="1" lang="zh-CN" altLang="en-US"/>
           </a:p>
@@ -2668,7 +2668,7 @@
           <a:p>
             <a:fld id="{2D696E15-D4DC-E445-ADE0-FDBD21AE7E44}" type="datetimeFigureOut">
               <a:rPr kumimoji="1" lang="zh-CN" altLang="en-US" smtClean="0"/>
-              <a:t>2025/10/24</a:t>
+              <a:t>2025/10/31</a:t>
             </a:fld>
             <a:endParaRPr kumimoji="1" lang="zh-CN" altLang="en-US"/>
           </a:p>
@@ -2909,7 +2909,7 @@
           <a:p>
             <a:fld id="{2D696E15-D4DC-E445-ADE0-FDBD21AE7E44}" type="datetimeFigureOut">
               <a:rPr kumimoji="1" lang="zh-CN" altLang="en-US" smtClean="0"/>
-              <a:t>2025/10/24</a:t>
+              <a:t>2025/10/31</a:t>
             </a:fld>
             <a:endParaRPr kumimoji="1" lang="zh-CN" altLang="en-US"/>
           </a:p>
@@ -3328,10 +3328,64 @@
       </p:grpSpPr>
       <p:sp>
         <p:nvSpPr>
-          <p:cNvPr id="4" name="文本框 3">
-            <a:extLst>
-              <a:ext uri="{FF2B5EF4-FFF2-40B4-BE49-F238E27FC236}">
-                <a16:creationId xmlns:a16="http://schemas.microsoft.com/office/drawing/2014/main" id="{34D351D5-B807-5CCC-0700-CDFDCF2C1A53}"/>
+          <p:cNvPr id="130" name="矩形 129">
+            <a:extLst>
+              <a:ext uri="{FF2B5EF4-FFF2-40B4-BE49-F238E27FC236}">
+                <a16:creationId xmlns:a16="http://schemas.microsoft.com/office/drawing/2014/main" id="{4E23EC24-0EE3-BB36-F5E2-66D1934AA259}"/>
+              </a:ext>
+            </a:extLst>
+          </p:cNvPr>
+          <p:cNvSpPr/>
+          <p:nvPr/>
+        </p:nvSpPr>
+        <p:spPr>
+          <a:xfrm>
+            <a:off x="1949948" y="2092055"/>
+            <a:ext cx="7401025" cy="343100"/>
+          </a:xfrm>
+          <a:prstGeom prst="rect">
+            <a:avLst/>
+          </a:prstGeom>
+          <a:solidFill>
+            <a:schemeClr val="bg1">
+              <a:lumMod val="95000"/>
+            </a:schemeClr>
+          </a:solidFill>
+          <a:ln>
+            <a:noFill/>
+          </a:ln>
+        </p:spPr>
+        <p:style>
+          <a:lnRef idx="2">
+            <a:schemeClr val="accent1">
+              <a:shade val="15000"/>
+            </a:schemeClr>
+          </a:lnRef>
+          <a:fillRef idx="1">
+            <a:schemeClr val="accent1"/>
+          </a:fillRef>
+          <a:effectRef idx="0">
+            <a:schemeClr val="accent1"/>
+          </a:effectRef>
+          <a:fontRef idx="minor">
+            <a:schemeClr val="lt1"/>
+          </a:fontRef>
+        </p:style>
+        <p:txBody>
+          <a:bodyPr rtlCol="0" anchor="ctr"/>
+          <a:lstStyle/>
+          <a:p>
+            <a:pPr algn="ctr"/>
+            <a:endParaRPr kumimoji="1" lang="zh-CN" altLang="en-US" dirty="0"/>
+          </a:p>
+        </p:txBody>
+      </p:sp>
+      <p:sp>
+        <p:nvSpPr>
+          <p:cNvPr id="2" name="文本框 1">
+            <a:extLst>
+              <a:ext uri="{FF2B5EF4-FFF2-40B4-BE49-F238E27FC236}">
+                <a16:creationId xmlns:a16="http://schemas.microsoft.com/office/drawing/2014/main" id="{264BA3BA-3B7F-9AC5-803B-CDA6067CFBE1}"/>
               </a:ext>
             </a:extLst>
           </p:cNvPr>
@@ -3340,7 +3394,7 @@
         </p:nvSpPr>
         <p:spPr>
           <a:xfrm>
-            <a:off x="5033322" y="3928597"/>
+            <a:off x="4628133" y="4211404"/>
             <a:ext cx="2664611" cy="338554"/>
           </a:xfrm>
           <a:prstGeom prst="rect">
@@ -3381,10 +3435,10 @@
       </p:sp>
       <p:pic>
         <p:nvPicPr>
-          <p:cNvPr id="5" name="图片 4">
-            <a:extLst>
-              <a:ext uri="{FF2B5EF4-FFF2-40B4-BE49-F238E27FC236}">
-                <a16:creationId xmlns:a16="http://schemas.microsoft.com/office/drawing/2014/main" id="{E13C9FCE-5F11-A6B4-DC8E-4EA8598194AC}"/>
+          <p:cNvPr id="3" name="图片 2">
+            <a:extLst>
+              <a:ext uri="{FF2B5EF4-FFF2-40B4-BE49-F238E27FC236}">
+                <a16:creationId xmlns:a16="http://schemas.microsoft.com/office/drawing/2014/main" id="{139DA968-E4B7-927B-9D90-6495773759B2}"/>
               </a:ext>
             </a:extLst>
           </p:cNvPr>
@@ -3401,7 +3455,7 @@
         </p:blipFill>
         <p:spPr>
           <a:xfrm>
-            <a:off x="3110475" y="3291722"/>
+            <a:off x="2618198" y="3574529"/>
             <a:ext cx="467137" cy="358517"/>
           </a:xfrm>
           <a:prstGeom prst="rect">
@@ -3411,10 +3465,10 @@
       </p:pic>
       <p:pic>
         <p:nvPicPr>
-          <p:cNvPr id="6" name="图片 5">
-            <a:extLst>
-              <a:ext uri="{FF2B5EF4-FFF2-40B4-BE49-F238E27FC236}">
-                <a16:creationId xmlns:a16="http://schemas.microsoft.com/office/drawing/2014/main" id="{E9D51DEC-00C3-BDCC-4B47-12805A8E7D2C}"/>
+          <p:cNvPr id="66" name="图片 65">
+            <a:extLst>
+              <a:ext uri="{FF2B5EF4-FFF2-40B4-BE49-F238E27FC236}">
+                <a16:creationId xmlns:a16="http://schemas.microsoft.com/office/drawing/2014/main" id="{6E8007ED-6F4A-1A12-3B5F-3304E6053404}"/>
               </a:ext>
             </a:extLst>
           </p:cNvPr>
@@ -3431,7 +3485,7 @@
         </p:blipFill>
         <p:spPr>
           <a:xfrm flipV="1">
-            <a:off x="3850495" y="3291721"/>
+            <a:off x="3358218" y="3574528"/>
             <a:ext cx="468000" cy="358517"/>
           </a:xfrm>
           <a:prstGeom prst="rect">
@@ -3441,10 +3495,10 @@
       </p:pic>
       <p:pic>
         <p:nvPicPr>
-          <p:cNvPr id="7" name="图片 6">
-            <a:extLst>
-              <a:ext uri="{FF2B5EF4-FFF2-40B4-BE49-F238E27FC236}">
-                <a16:creationId xmlns:a16="http://schemas.microsoft.com/office/drawing/2014/main" id="{DB062250-1F73-23AF-DE28-062F1D5D247A}"/>
+          <p:cNvPr id="67" name="图片 66">
+            <a:extLst>
+              <a:ext uri="{FF2B5EF4-FFF2-40B4-BE49-F238E27FC236}">
+                <a16:creationId xmlns:a16="http://schemas.microsoft.com/office/drawing/2014/main" id="{2D2FECDB-7B48-8856-B533-5D5FD5D0D3F1}"/>
               </a:ext>
             </a:extLst>
           </p:cNvPr>
@@ -3461,7 +3515,7 @@
         </p:blipFill>
         <p:spPr>
           <a:xfrm>
-            <a:off x="4599849" y="3300187"/>
+            <a:off x="4107572" y="3582994"/>
             <a:ext cx="467137" cy="358517"/>
           </a:xfrm>
           <a:prstGeom prst="rect">
@@ -3471,10 +3525,10 @@
       </p:pic>
       <p:cxnSp>
         <p:nvCxnSpPr>
-          <p:cNvPr id="8" name="直线连接符 7">
-            <a:extLst>
-              <a:ext uri="{FF2B5EF4-FFF2-40B4-BE49-F238E27FC236}">
-                <a16:creationId xmlns:a16="http://schemas.microsoft.com/office/drawing/2014/main" id="{4B6EA2D5-91B6-E233-01C1-D4111BEDF7ED}"/>
+          <p:cNvPr id="68" name="直线连接符 67">
+            <a:extLst>
+              <a:ext uri="{FF2B5EF4-FFF2-40B4-BE49-F238E27FC236}">
+                <a16:creationId xmlns:a16="http://schemas.microsoft.com/office/drawing/2014/main" id="{49E32240-7476-6466-355D-7A7AFF016522}"/>
               </a:ext>
             </a:extLst>
           </p:cNvPr>
@@ -3485,7 +3539,7 @@
         </p:nvCxnSpPr>
         <p:spPr>
           <a:xfrm flipV="1">
-            <a:off x="2469155" y="3123847"/>
+            <a:off x="2063966" y="3406654"/>
             <a:ext cx="7176410" cy="22346"/>
           </a:xfrm>
           <a:prstGeom prst="line">
@@ -3510,10 +3564,10 @@
       </p:cxnSp>
       <p:sp>
         <p:nvSpPr>
-          <p:cNvPr id="9" name="文本框 8">
-            <a:extLst>
-              <a:ext uri="{FF2B5EF4-FFF2-40B4-BE49-F238E27FC236}">
-                <a16:creationId xmlns:a16="http://schemas.microsoft.com/office/drawing/2014/main" id="{508AE193-82E4-0A75-2ACB-FF2F40D8EF82}"/>
+          <p:cNvPr id="69" name="文本框 68">
+            <a:extLst>
+              <a:ext uri="{FF2B5EF4-FFF2-40B4-BE49-F238E27FC236}">
+                <a16:creationId xmlns:a16="http://schemas.microsoft.com/office/drawing/2014/main" id="{BA3A21F0-42DB-4CB0-408A-4AE0A91C36AA}"/>
               </a:ext>
             </a:extLst>
           </p:cNvPr>
@@ -3522,7 +3576,7 @@
         </p:nvSpPr>
         <p:spPr>
           <a:xfrm flipH="1">
-            <a:off x="2398930" y="3141502"/>
+            <a:off x="1906653" y="3424309"/>
             <a:ext cx="751701" cy="338554"/>
           </a:xfrm>
           <a:prstGeom prst="rect">
@@ -3552,10 +3606,10 @@
       </p:sp>
       <p:sp>
         <p:nvSpPr>
-          <p:cNvPr id="10" name="文本框 9">
-            <a:extLst>
-              <a:ext uri="{FF2B5EF4-FFF2-40B4-BE49-F238E27FC236}">
-                <a16:creationId xmlns:a16="http://schemas.microsoft.com/office/drawing/2014/main" id="{2BB5ECD1-963B-A31B-107B-4D5FFF7E7668}"/>
+          <p:cNvPr id="70" name="文本框 69">
+            <a:extLst>
+              <a:ext uri="{FF2B5EF4-FFF2-40B4-BE49-F238E27FC236}">
+                <a16:creationId xmlns:a16="http://schemas.microsoft.com/office/drawing/2014/main" id="{89A2D14A-293D-D364-D6C3-A5AB0710A37D}"/>
               </a:ext>
             </a:extLst>
           </p:cNvPr>
@@ -3564,7 +3618,7 @@
         </p:nvSpPr>
         <p:spPr>
           <a:xfrm flipH="1">
-            <a:off x="2385530" y="2813698"/>
+            <a:off x="1893253" y="3096505"/>
             <a:ext cx="751701" cy="338554"/>
           </a:xfrm>
           <a:prstGeom prst="rect">
@@ -3594,10 +3648,10 @@
       </p:sp>
       <p:pic>
         <p:nvPicPr>
-          <p:cNvPr id="11" name="图片 10">
-            <a:extLst>
-              <a:ext uri="{FF2B5EF4-FFF2-40B4-BE49-F238E27FC236}">
-                <a16:creationId xmlns:a16="http://schemas.microsoft.com/office/drawing/2014/main" id="{7AC7C087-7970-4CD0-5213-C144DAD90D8F}"/>
+          <p:cNvPr id="71" name="图片 70">
+            <a:extLst>
+              <a:ext uri="{FF2B5EF4-FFF2-40B4-BE49-F238E27FC236}">
+                <a16:creationId xmlns:a16="http://schemas.microsoft.com/office/drawing/2014/main" id="{482D7B6F-BFF5-BCCD-F604-59881428C195}"/>
               </a:ext>
             </a:extLst>
           </p:cNvPr>
@@ -3613,7 +3667,7 @@
         </p:blipFill>
         <p:spPr>
           <a:xfrm>
-            <a:off x="5395475" y="3293837"/>
+            <a:off x="4990286" y="3576644"/>
             <a:ext cx="467137" cy="356400"/>
           </a:xfrm>
           <a:prstGeom prst="rect">
@@ -3623,10 +3677,10 @@
       </p:pic>
       <p:cxnSp>
         <p:nvCxnSpPr>
-          <p:cNvPr id="12" name="直线连接符 11">
-            <a:extLst>
-              <a:ext uri="{FF2B5EF4-FFF2-40B4-BE49-F238E27FC236}">
-                <a16:creationId xmlns:a16="http://schemas.microsoft.com/office/drawing/2014/main" id="{33D46F78-6CF4-24C8-B024-9CCE1F282B06}"/>
+          <p:cNvPr id="72" name="直线连接符 71">
+            <a:extLst>
+              <a:ext uri="{FF2B5EF4-FFF2-40B4-BE49-F238E27FC236}">
+                <a16:creationId xmlns:a16="http://schemas.microsoft.com/office/drawing/2014/main" id="{9E1528E6-288A-137A-D421-AA27F2C09BD9}"/>
               </a:ext>
             </a:extLst>
           </p:cNvPr>
@@ -3637,7 +3691,7 @@
         </p:nvCxnSpPr>
         <p:spPr>
           <a:xfrm flipV="1">
-            <a:off x="5153161" y="2374032"/>
+            <a:off x="4660884" y="2656839"/>
             <a:ext cx="0" cy="1598201"/>
           </a:xfrm>
           <a:prstGeom prst="line">
@@ -3664,10 +3718,10 @@
       </p:cxnSp>
       <p:pic>
         <p:nvPicPr>
-          <p:cNvPr id="13" name="图片 12">
-            <a:extLst>
-              <a:ext uri="{FF2B5EF4-FFF2-40B4-BE49-F238E27FC236}">
-                <a16:creationId xmlns:a16="http://schemas.microsoft.com/office/drawing/2014/main" id="{EA2A6DDD-FFCA-E073-D72D-6EA2816FC0F5}"/>
+          <p:cNvPr id="73" name="图片 72">
+            <a:extLst>
+              <a:ext uri="{FF2B5EF4-FFF2-40B4-BE49-F238E27FC236}">
+                <a16:creationId xmlns:a16="http://schemas.microsoft.com/office/drawing/2014/main" id="{8FEE5DA9-14BD-314F-DBD4-0A72E433406B}"/>
               </a:ext>
             </a:extLst>
           </p:cNvPr>
@@ -3683,7 +3737,7 @@
         </p:blipFill>
         <p:spPr>
           <a:xfrm flipV="1">
-            <a:off x="6131628" y="3291720"/>
+            <a:off x="5726439" y="3574527"/>
             <a:ext cx="468000" cy="356400"/>
           </a:xfrm>
           <a:prstGeom prst="rect">
@@ -3693,10 +3747,10 @@
       </p:pic>
       <p:pic>
         <p:nvPicPr>
-          <p:cNvPr id="14" name="图片 13">
-            <a:extLst>
-              <a:ext uri="{FF2B5EF4-FFF2-40B4-BE49-F238E27FC236}">
-                <a16:creationId xmlns:a16="http://schemas.microsoft.com/office/drawing/2014/main" id="{A2F221BD-C422-B5A7-9B6B-8B74A19F8BCA}"/>
+          <p:cNvPr id="74" name="图片 73">
+            <a:extLst>
+              <a:ext uri="{FF2B5EF4-FFF2-40B4-BE49-F238E27FC236}">
+                <a16:creationId xmlns:a16="http://schemas.microsoft.com/office/drawing/2014/main" id="{81BAAC3E-45BC-8F06-CE47-E17FEFA25490}"/>
               </a:ext>
             </a:extLst>
           </p:cNvPr>
@@ -3713,7 +3767,7 @@
         </p:blipFill>
         <p:spPr>
           <a:xfrm>
-            <a:off x="6853274" y="3282749"/>
+            <a:off x="6448085" y="3565556"/>
             <a:ext cx="467137" cy="358517"/>
           </a:xfrm>
           <a:prstGeom prst="rect">
@@ -3723,10 +3777,10 @@
       </p:pic>
       <p:pic>
         <p:nvPicPr>
-          <p:cNvPr id="15" name="图片 14">
-            <a:extLst>
-              <a:ext uri="{FF2B5EF4-FFF2-40B4-BE49-F238E27FC236}">
-                <a16:creationId xmlns:a16="http://schemas.microsoft.com/office/drawing/2014/main" id="{9803BF9D-2005-D12C-CD66-0E95344A5C2B}"/>
+          <p:cNvPr id="75" name="图片 74">
+            <a:extLst>
+              <a:ext uri="{FF2B5EF4-FFF2-40B4-BE49-F238E27FC236}">
+                <a16:creationId xmlns:a16="http://schemas.microsoft.com/office/drawing/2014/main" id="{A4F4F41E-9C3E-4F0B-0907-2B6F5D3FD5FB}"/>
               </a:ext>
             </a:extLst>
           </p:cNvPr>
@@ -3742,7 +3796,7 @@
         </p:blipFill>
         <p:spPr>
           <a:xfrm>
-            <a:off x="7631310" y="3278910"/>
+            <a:off x="7324094" y="3561717"/>
             <a:ext cx="467137" cy="356400"/>
           </a:xfrm>
           <a:prstGeom prst="rect">
@@ -3752,10 +3806,10 @@
       </p:pic>
       <p:pic>
         <p:nvPicPr>
-          <p:cNvPr id="16" name="图片 15">
-            <a:extLst>
-              <a:ext uri="{FF2B5EF4-FFF2-40B4-BE49-F238E27FC236}">
-                <a16:creationId xmlns:a16="http://schemas.microsoft.com/office/drawing/2014/main" id="{C57006F0-C745-9568-1B6A-FE9D49483A36}"/>
+          <p:cNvPr id="76" name="图片 75">
+            <a:extLst>
+              <a:ext uri="{FF2B5EF4-FFF2-40B4-BE49-F238E27FC236}">
+                <a16:creationId xmlns:a16="http://schemas.microsoft.com/office/drawing/2014/main" id="{1FFD2953-4CFC-4102-24A7-2153B14A2CFD}"/>
               </a:ext>
             </a:extLst>
           </p:cNvPr>
@@ -3772,7 +3826,7 @@
         </p:blipFill>
         <p:spPr>
           <a:xfrm flipV="1">
-            <a:off x="8342063" y="3272602"/>
+            <a:off x="8034847" y="3555409"/>
             <a:ext cx="468000" cy="358517"/>
           </a:xfrm>
           <a:prstGeom prst="rect">
@@ -3782,10 +3836,10 @@
       </p:pic>
       <p:pic>
         <p:nvPicPr>
-          <p:cNvPr id="17" name="图片 16">
-            <a:extLst>
-              <a:ext uri="{FF2B5EF4-FFF2-40B4-BE49-F238E27FC236}">
-                <a16:creationId xmlns:a16="http://schemas.microsoft.com/office/drawing/2014/main" id="{E0998EE1-940C-F415-453F-A214B09858DD}"/>
+          <p:cNvPr id="77" name="图片 76">
+            <a:extLst>
+              <a:ext uri="{FF2B5EF4-FFF2-40B4-BE49-F238E27FC236}">
+                <a16:creationId xmlns:a16="http://schemas.microsoft.com/office/drawing/2014/main" id="{3FA6ED09-E8FB-2C52-974F-D2C2593FCD28}"/>
               </a:ext>
             </a:extLst>
           </p:cNvPr>
@@ -3801,7 +3855,7 @@
         </p:blipFill>
         <p:spPr>
           <a:xfrm flipV="1">
-            <a:off x="9070610" y="3269075"/>
+            <a:off x="8763394" y="3551882"/>
             <a:ext cx="468000" cy="356400"/>
           </a:xfrm>
           <a:prstGeom prst="rect">
@@ -3811,10 +3865,10 @@
       </p:pic>
       <p:sp>
         <p:nvSpPr>
-          <p:cNvPr id="18" name="文本框 17">
-            <a:extLst>
-              <a:ext uri="{FF2B5EF4-FFF2-40B4-BE49-F238E27FC236}">
-                <a16:creationId xmlns:a16="http://schemas.microsoft.com/office/drawing/2014/main" id="{3DE6A8E2-17D2-B1F0-509A-10834E248ADB}"/>
+          <p:cNvPr id="78" name="文本框 77">
+            <a:extLst>
+              <a:ext uri="{FF2B5EF4-FFF2-40B4-BE49-F238E27FC236}">
+                <a16:creationId xmlns:a16="http://schemas.microsoft.com/office/drawing/2014/main" id="{A7851177-D111-E38C-1B09-48EF8F6440DA}"/>
               </a:ext>
             </a:extLst>
           </p:cNvPr>
@@ -3823,7 +3877,7 @@
         </p:nvSpPr>
         <p:spPr>
           <a:xfrm>
-            <a:off x="2622476" y="3922511"/>
+            <a:off x="2130199" y="4205318"/>
             <a:ext cx="2664611" cy="338554"/>
           </a:xfrm>
           <a:prstGeom prst="rect">
@@ -3882,10 +3936,10 @@
       </p:sp>
       <p:sp>
         <p:nvSpPr>
-          <p:cNvPr id="19" name="文本框 18">
-            <a:extLst>
-              <a:ext uri="{FF2B5EF4-FFF2-40B4-BE49-F238E27FC236}">
-                <a16:creationId xmlns:a16="http://schemas.microsoft.com/office/drawing/2014/main" id="{AFE9F14A-D883-8012-7B43-2558A27C592B}"/>
+          <p:cNvPr id="79" name="文本框 78">
+            <a:extLst>
+              <a:ext uri="{FF2B5EF4-FFF2-40B4-BE49-F238E27FC236}">
+                <a16:creationId xmlns:a16="http://schemas.microsoft.com/office/drawing/2014/main" id="{1B48C556-D603-0CF0-5C50-BC3929F8B835}"/>
               </a:ext>
             </a:extLst>
           </p:cNvPr>
@@ -3894,7 +3948,7 @@
         </p:nvSpPr>
         <p:spPr>
           <a:xfrm>
-            <a:off x="6993602" y="3922511"/>
+            <a:off x="6686386" y="4205318"/>
             <a:ext cx="2664611" cy="338554"/>
           </a:xfrm>
           <a:prstGeom prst="rect">
@@ -3939,10 +3993,10 @@
       </p:sp>
       <p:sp>
         <p:nvSpPr>
-          <p:cNvPr id="20" name="文本框 19">
-            <a:extLst>
-              <a:ext uri="{FF2B5EF4-FFF2-40B4-BE49-F238E27FC236}">
-                <a16:creationId xmlns:a16="http://schemas.microsoft.com/office/drawing/2014/main" id="{DB536076-DAA0-ED9F-8222-C71BA3983A9C}"/>
+          <p:cNvPr id="80" name="文本框 79">
+            <a:extLst>
+              <a:ext uri="{FF2B5EF4-FFF2-40B4-BE49-F238E27FC236}">
+                <a16:creationId xmlns:a16="http://schemas.microsoft.com/office/drawing/2014/main" id="{0C527F9B-AB68-6D6B-2855-07E9D21B8613}"/>
               </a:ext>
             </a:extLst>
           </p:cNvPr>
@@ -3951,7 +4005,7 @@
         </p:nvSpPr>
         <p:spPr>
           <a:xfrm>
-            <a:off x="3576072" y="3184901"/>
+            <a:off x="3083795" y="3467708"/>
             <a:ext cx="356188" cy="584775"/>
           </a:xfrm>
           <a:prstGeom prst="rect">
@@ -3986,10 +4040,10 @@
       </p:sp>
       <p:sp>
         <p:nvSpPr>
-          <p:cNvPr id="21" name="文本框 20">
-            <a:extLst>
-              <a:ext uri="{FF2B5EF4-FFF2-40B4-BE49-F238E27FC236}">
-                <a16:creationId xmlns:a16="http://schemas.microsoft.com/office/drawing/2014/main" id="{AE6FD4BB-399A-6AE3-E052-C7AB7B264E67}"/>
+          <p:cNvPr id="81" name="文本框 80">
+            <a:extLst>
+              <a:ext uri="{FF2B5EF4-FFF2-40B4-BE49-F238E27FC236}">
+                <a16:creationId xmlns:a16="http://schemas.microsoft.com/office/drawing/2014/main" id="{09E1C091-5FA4-C811-2D26-9E870295FF8E}"/>
               </a:ext>
             </a:extLst>
           </p:cNvPr>
@@ -3998,7 +4052,7 @@
         </p:nvSpPr>
         <p:spPr>
           <a:xfrm>
-            <a:off x="2847579" y="3190878"/>
+            <a:off x="2355302" y="3473685"/>
             <a:ext cx="356188" cy="584775"/>
           </a:xfrm>
           <a:prstGeom prst="rect">
@@ -4033,10 +4087,10 @@
       </p:sp>
       <p:sp>
         <p:nvSpPr>
-          <p:cNvPr id="22" name="文本框 21">
-            <a:extLst>
-              <a:ext uri="{FF2B5EF4-FFF2-40B4-BE49-F238E27FC236}">
-                <a16:creationId xmlns:a16="http://schemas.microsoft.com/office/drawing/2014/main" id="{92411AA0-490D-1089-253A-E5C811E6B8E1}"/>
+          <p:cNvPr id="82" name="文本框 81">
+            <a:extLst>
+              <a:ext uri="{FF2B5EF4-FFF2-40B4-BE49-F238E27FC236}">
+                <a16:creationId xmlns:a16="http://schemas.microsoft.com/office/drawing/2014/main" id="{6BF723E5-C2B3-4B15-FB0C-9BCE0AB1764A}"/>
               </a:ext>
             </a:extLst>
           </p:cNvPr>
@@ -4045,7 +4099,7 @@
         </p:nvSpPr>
         <p:spPr>
           <a:xfrm>
-            <a:off x="4321232" y="3184901"/>
+            <a:off x="3828955" y="3467708"/>
             <a:ext cx="356188" cy="584775"/>
           </a:xfrm>
           <a:prstGeom prst="rect">
@@ -4080,10 +4134,10 @@
       </p:sp>
       <p:sp>
         <p:nvSpPr>
-          <p:cNvPr id="23" name="文本框 22">
-            <a:extLst>
-              <a:ext uri="{FF2B5EF4-FFF2-40B4-BE49-F238E27FC236}">
-                <a16:creationId xmlns:a16="http://schemas.microsoft.com/office/drawing/2014/main" id="{04512379-1AE3-6283-0D9B-2B809D6B3E09}"/>
+          <p:cNvPr id="83" name="文本框 82">
+            <a:extLst>
+              <a:ext uri="{FF2B5EF4-FFF2-40B4-BE49-F238E27FC236}">
+                <a16:creationId xmlns:a16="http://schemas.microsoft.com/office/drawing/2014/main" id="{821149EC-DB3F-2B79-4E83-3C75E4CF7D69}"/>
               </a:ext>
             </a:extLst>
           </p:cNvPr>
@@ -4092,7 +4146,7 @@
         </p:nvSpPr>
         <p:spPr>
           <a:xfrm>
-            <a:off x="5133063" y="3190878"/>
+            <a:off x="4727874" y="3473685"/>
             <a:ext cx="356188" cy="584775"/>
           </a:xfrm>
           <a:prstGeom prst="rect">
@@ -4127,10 +4181,10 @@
       </p:sp>
       <p:sp>
         <p:nvSpPr>
-          <p:cNvPr id="24" name="文本框 23">
-            <a:extLst>
-              <a:ext uri="{FF2B5EF4-FFF2-40B4-BE49-F238E27FC236}">
-                <a16:creationId xmlns:a16="http://schemas.microsoft.com/office/drawing/2014/main" id="{90CB85F1-A272-C48E-A1A0-B6AB2C47EF34}"/>
+          <p:cNvPr id="84" name="文本框 83">
+            <a:extLst>
+              <a:ext uri="{FF2B5EF4-FFF2-40B4-BE49-F238E27FC236}">
+                <a16:creationId xmlns:a16="http://schemas.microsoft.com/office/drawing/2014/main" id="{32EA008B-53F0-9F82-7D16-1E4BF7687DE2}"/>
               </a:ext>
             </a:extLst>
           </p:cNvPr>
@@ -4139,7 +4193,7 @@
         </p:nvSpPr>
         <p:spPr>
           <a:xfrm>
-            <a:off x="5864235" y="3194633"/>
+            <a:off x="5459046" y="3477440"/>
             <a:ext cx="356188" cy="584775"/>
           </a:xfrm>
           <a:prstGeom prst="rect">
@@ -4174,10 +4228,10 @@
       </p:sp>
       <p:sp>
         <p:nvSpPr>
-          <p:cNvPr id="25" name="文本框 24">
-            <a:extLst>
-              <a:ext uri="{FF2B5EF4-FFF2-40B4-BE49-F238E27FC236}">
-                <a16:creationId xmlns:a16="http://schemas.microsoft.com/office/drawing/2014/main" id="{35C3EA14-664C-04F9-CF9D-266672CC1FE7}"/>
+          <p:cNvPr id="85" name="文本框 84">
+            <a:extLst>
+              <a:ext uri="{FF2B5EF4-FFF2-40B4-BE49-F238E27FC236}">
+                <a16:creationId xmlns:a16="http://schemas.microsoft.com/office/drawing/2014/main" id="{E1760F81-F894-99BE-FD67-F55084CBF72B}"/>
               </a:ext>
             </a:extLst>
           </p:cNvPr>
@@ -4186,7 +4240,7 @@
         </p:nvSpPr>
         <p:spPr>
           <a:xfrm>
-            <a:off x="6583755" y="3177532"/>
+            <a:off x="6178566" y="3460339"/>
             <a:ext cx="356188" cy="584775"/>
           </a:xfrm>
           <a:prstGeom prst="rect">
@@ -4221,10 +4275,10 @@
       </p:sp>
       <p:sp>
         <p:nvSpPr>
-          <p:cNvPr id="26" name="文本框 25">
-            <a:extLst>
-              <a:ext uri="{FF2B5EF4-FFF2-40B4-BE49-F238E27FC236}">
-                <a16:creationId xmlns:a16="http://schemas.microsoft.com/office/drawing/2014/main" id="{C804FBBE-12C3-2199-2F6A-0B4D2F4637BF}"/>
+          <p:cNvPr id="86" name="文本框 85">
+            <a:extLst>
+              <a:ext uri="{FF2B5EF4-FFF2-40B4-BE49-F238E27FC236}">
+                <a16:creationId xmlns:a16="http://schemas.microsoft.com/office/drawing/2014/main" id="{C4BB0655-8D99-D4A3-8C56-A353722C7455}"/>
               </a:ext>
             </a:extLst>
           </p:cNvPr>
@@ -4233,7 +4287,7 @@
         </p:nvSpPr>
         <p:spPr>
           <a:xfrm>
-            <a:off x="7363901" y="3177531"/>
+            <a:off x="7056685" y="3460338"/>
             <a:ext cx="356188" cy="584775"/>
           </a:xfrm>
           <a:prstGeom prst="rect">
@@ -4268,10 +4322,10 @@
       </p:sp>
       <p:sp>
         <p:nvSpPr>
-          <p:cNvPr id="27" name="文本框 26">
-            <a:extLst>
-              <a:ext uri="{FF2B5EF4-FFF2-40B4-BE49-F238E27FC236}">
-                <a16:creationId xmlns:a16="http://schemas.microsoft.com/office/drawing/2014/main" id="{3750A57F-DB1E-FE9C-73FF-6301D03CA1CA}"/>
+          <p:cNvPr id="87" name="文本框 86">
+            <a:extLst>
+              <a:ext uri="{FF2B5EF4-FFF2-40B4-BE49-F238E27FC236}">
+                <a16:creationId xmlns:a16="http://schemas.microsoft.com/office/drawing/2014/main" id="{664D0344-6D03-8A07-8A7A-F5F95D0B629B}"/>
               </a:ext>
             </a:extLst>
           </p:cNvPr>
@@ -4280,7 +4334,7 @@
         </p:nvSpPr>
         <p:spPr>
           <a:xfrm>
-            <a:off x="8078490" y="3184901"/>
+            <a:off x="7771274" y="3467708"/>
             <a:ext cx="356188" cy="584775"/>
           </a:xfrm>
           <a:prstGeom prst="rect">
@@ -4315,10 +4369,10 @@
       </p:sp>
       <p:sp>
         <p:nvSpPr>
-          <p:cNvPr id="28" name="文本框 27">
-            <a:extLst>
-              <a:ext uri="{FF2B5EF4-FFF2-40B4-BE49-F238E27FC236}">
-                <a16:creationId xmlns:a16="http://schemas.microsoft.com/office/drawing/2014/main" id="{909398BF-20DC-DC67-2169-C5C7C2D6B29D}"/>
+          <p:cNvPr id="88" name="文本框 87">
+            <a:extLst>
+              <a:ext uri="{FF2B5EF4-FFF2-40B4-BE49-F238E27FC236}">
+                <a16:creationId xmlns:a16="http://schemas.microsoft.com/office/drawing/2014/main" id="{5A620830-0BB6-956C-DB61-7446357D68F6}"/>
               </a:ext>
             </a:extLst>
           </p:cNvPr>
@@ -4327,7 +4381,7 @@
         </p:nvSpPr>
         <p:spPr>
           <a:xfrm>
-            <a:off x="8793079" y="3194632"/>
+            <a:off x="8485863" y="3477439"/>
             <a:ext cx="356188" cy="584775"/>
           </a:xfrm>
           <a:prstGeom prst="rect">
@@ -4362,10 +4416,10 @@
       </p:sp>
       <p:sp>
         <p:nvSpPr>
-          <p:cNvPr id="29" name="文本框 28">
-            <a:extLst>
-              <a:ext uri="{FF2B5EF4-FFF2-40B4-BE49-F238E27FC236}">
-                <a16:creationId xmlns:a16="http://schemas.microsoft.com/office/drawing/2014/main" id="{66FE5582-5CF9-C87C-D068-72CB9F260127}"/>
+          <p:cNvPr id="89" name="文本框 88">
+            <a:extLst>
+              <a:ext uri="{FF2B5EF4-FFF2-40B4-BE49-F238E27FC236}">
+                <a16:creationId xmlns:a16="http://schemas.microsoft.com/office/drawing/2014/main" id="{1BFBD197-13C9-DFB5-8DBE-7A62D14AA6C0}"/>
               </a:ext>
             </a:extLst>
           </p:cNvPr>
@@ -4374,7 +4428,7 @@
         </p:nvSpPr>
         <p:spPr>
           <a:xfrm>
-            <a:off x="2791540" y="3662480"/>
+            <a:off x="2299263" y="3945287"/>
             <a:ext cx="859531" cy="323165"/>
           </a:xfrm>
           <a:prstGeom prst="rect">
@@ -4418,10 +4472,10 @@
       </p:sp>
       <p:sp>
         <p:nvSpPr>
-          <p:cNvPr id="30" name="文本框 29">
-            <a:extLst>
-              <a:ext uri="{FF2B5EF4-FFF2-40B4-BE49-F238E27FC236}">
-                <a16:creationId xmlns:a16="http://schemas.microsoft.com/office/drawing/2014/main" id="{1B9673D2-C021-89D5-E734-DAF52D365F29}"/>
+          <p:cNvPr id="90" name="文本框 89">
+            <a:extLst>
+              <a:ext uri="{FF2B5EF4-FFF2-40B4-BE49-F238E27FC236}">
+                <a16:creationId xmlns:a16="http://schemas.microsoft.com/office/drawing/2014/main" id="{4BC45B4A-6526-8DF6-B4FB-DC90773420A7}"/>
               </a:ext>
             </a:extLst>
           </p:cNvPr>
@@ -4430,7 +4484,7 @@
         </p:nvSpPr>
         <p:spPr>
           <a:xfrm>
-            <a:off x="3592739" y="3658307"/>
+            <a:off x="3100462" y="3941114"/>
             <a:ext cx="859531" cy="323165"/>
           </a:xfrm>
           <a:prstGeom prst="rect">
@@ -4474,10 +4528,10 @@
       </p:sp>
       <p:sp>
         <p:nvSpPr>
-          <p:cNvPr id="31" name="文本框 30">
-            <a:extLst>
-              <a:ext uri="{FF2B5EF4-FFF2-40B4-BE49-F238E27FC236}">
-                <a16:creationId xmlns:a16="http://schemas.microsoft.com/office/drawing/2014/main" id="{A81E1393-A646-698E-A83A-83979B34B8C3}"/>
+          <p:cNvPr id="91" name="文本框 90">
+            <a:extLst>
+              <a:ext uri="{FF2B5EF4-FFF2-40B4-BE49-F238E27FC236}">
+                <a16:creationId xmlns:a16="http://schemas.microsoft.com/office/drawing/2014/main" id="{1644076D-EB71-7A46-E2D7-D37D03B76E95}"/>
               </a:ext>
             </a:extLst>
           </p:cNvPr>
@@ -4486,7 +4540,7 @@
         </p:nvSpPr>
         <p:spPr>
           <a:xfrm>
-            <a:off x="4318404" y="3662480"/>
+            <a:off x="3826127" y="3945287"/>
             <a:ext cx="859531" cy="323165"/>
           </a:xfrm>
           <a:prstGeom prst="rect">
@@ -4530,10 +4584,10 @@
       </p:sp>
       <p:sp>
         <p:nvSpPr>
-          <p:cNvPr id="32" name="文本框 31">
-            <a:extLst>
-              <a:ext uri="{FF2B5EF4-FFF2-40B4-BE49-F238E27FC236}">
-                <a16:creationId xmlns:a16="http://schemas.microsoft.com/office/drawing/2014/main" id="{AF015804-B487-AF43-783D-9DF912F5E07F}"/>
+          <p:cNvPr id="92" name="文本框 91">
+            <a:extLst>
+              <a:ext uri="{FF2B5EF4-FFF2-40B4-BE49-F238E27FC236}">
+                <a16:creationId xmlns:a16="http://schemas.microsoft.com/office/drawing/2014/main" id="{16CCA4D2-6711-3C3B-7058-4D741823A78D}"/>
               </a:ext>
             </a:extLst>
           </p:cNvPr>
@@ -4542,7 +4596,7 @@
         </p:nvSpPr>
         <p:spPr>
           <a:xfrm>
-            <a:off x="5103047" y="3661723"/>
+            <a:off x="4697858" y="3944530"/>
             <a:ext cx="859531" cy="323165"/>
           </a:xfrm>
           <a:prstGeom prst="rect">
@@ -4586,10 +4640,10 @@
       </p:sp>
       <p:sp>
         <p:nvSpPr>
-          <p:cNvPr id="33" name="文本框 32">
-            <a:extLst>
-              <a:ext uri="{FF2B5EF4-FFF2-40B4-BE49-F238E27FC236}">
-                <a16:creationId xmlns:a16="http://schemas.microsoft.com/office/drawing/2014/main" id="{A1AA00B7-972A-4D04-0A0C-CEF8B5D2346C}"/>
+          <p:cNvPr id="93" name="文本框 92">
+            <a:extLst>
+              <a:ext uri="{FF2B5EF4-FFF2-40B4-BE49-F238E27FC236}">
+                <a16:creationId xmlns:a16="http://schemas.microsoft.com/office/drawing/2014/main" id="{9C9B35F6-4F0A-4C66-D68B-33D0807571A1}"/>
               </a:ext>
             </a:extLst>
           </p:cNvPr>
@@ -4598,7 +4652,7 @@
         </p:nvSpPr>
         <p:spPr>
           <a:xfrm>
-            <a:off x="5871588" y="3657550"/>
+            <a:off x="5466399" y="3940357"/>
             <a:ext cx="859531" cy="323165"/>
           </a:xfrm>
           <a:prstGeom prst="rect">
@@ -4642,10 +4696,10 @@
       </p:sp>
       <p:sp>
         <p:nvSpPr>
-          <p:cNvPr id="34" name="文本框 33">
-            <a:extLst>
-              <a:ext uri="{FF2B5EF4-FFF2-40B4-BE49-F238E27FC236}">
-                <a16:creationId xmlns:a16="http://schemas.microsoft.com/office/drawing/2014/main" id="{FF5D77A7-3558-D005-4945-5CB850BE73AA}"/>
+          <p:cNvPr id="94" name="文本框 93">
+            <a:extLst>
+              <a:ext uri="{FF2B5EF4-FFF2-40B4-BE49-F238E27FC236}">
+                <a16:creationId xmlns:a16="http://schemas.microsoft.com/office/drawing/2014/main" id="{07D050E5-2645-C137-5FAE-2C234C53416D}"/>
               </a:ext>
             </a:extLst>
           </p:cNvPr>
@@ -4654,7 +4708,7 @@
         </p:nvSpPr>
         <p:spPr>
           <a:xfrm>
-            <a:off x="6608139" y="3661723"/>
+            <a:off x="6202950" y="3944530"/>
             <a:ext cx="859531" cy="323165"/>
           </a:xfrm>
           <a:prstGeom prst="rect">
@@ -4698,10 +4752,10 @@
       </p:sp>
       <p:sp>
         <p:nvSpPr>
-          <p:cNvPr id="35" name="文本框 34">
-            <a:extLst>
-              <a:ext uri="{FF2B5EF4-FFF2-40B4-BE49-F238E27FC236}">
-                <a16:creationId xmlns:a16="http://schemas.microsoft.com/office/drawing/2014/main" id="{1E885B2B-8B61-996B-DF50-AA0B0E7BAC04}"/>
+          <p:cNvPr id="95" name="文本框 94">
+            <a:extLst>
+              <a:ext uri="{FF2B5EF4-FFF2-40B4-BE49-F238E27FC236}">
+                <a16:creationId xmlns:a16="http://schemas.microsoft.com/office/drawing/2014/main" id="{5005D3F5-3490-0340-DD3B-FBB91888F549}"/>
               </a:ext>
             </a:extLst>
           </p:cNvPr>
@@ -4710,7 +4764,7 @@
         </p:nvSpPr>
         <p:spPr>
           <a:xfrm>
-            <a:off x="7373050" y="3679459"/>
+            <a:off x="7065834" y="3962266"/>
             <a:ext cx="859531" cy="323165"/>
           </a:xfrm>
           <a:prstGeom prst="rect">
@@ -4754,10 +4808,10 @@
       </p:sp>
       <p:sp>
         <p:nvSpPr>
-          <p:cNvPr id="36" name="文本框 35">
-            <a:extLst>
-              <a:ext uri="{FF2B5EF4-FFF2-40B4-BE49-F238E27FC236}">
-                <a16:creationId xmlns:a16="http://schemas.microsoft.com/office/drawing/2014/main" id="{DE3DD761-1DB2-B456-EE46-27839B702740}"/>
+          <p:cNvPr id="96" name="文本框 95">
+            <a:extLst>
+              <a:ext uri="{FF2B5EF4-FFF2-40B4-BE49-F238E27FC236}">
+                <a16:creationId xmlns:a16="http://schemas.microsoft.com/office/drawing/2014/main" id="{0E2ADCA9-5BC2-A7F6-448C-748B959D8D88}"/>
               </a:ext>
             </a:extLst>
           </p:cNvPr>
@@ -4766,7 +4820,7 @@
         </p:nvSpPr>
         <p:spPr>
           <a:xfrm>
-            <a:off x="8152477" y="3675286"/>
+            <a:off x="7845261" y="3958093"/>
             <a:ext cx="859531" cy="323165"/>
           </a:xfrm>
           <a:prstGeom prst="rect">
@@ -4810,10 +4864,10 @@
       </p:sp>
       <p:sp>
         <p:nvSpPr>
-          <p:cNvPr id="37" name="文本框 36">
-            <a:extLst>
-              <a:ext uri="{FF2B5EF4-FFF2-40B4-BE49-F238E27FC236}">
-                <a16:creationId xmlns:a16="http://schemas.microsoft.com/office/drawing/2014/main" id="{241E4604-984A-364B-4D09-E7E8D0A22F19}"/>
+          <p:cNvPr id="97" name="文本框 96">
+            <a:extLst>
+              <a:ext uri="{FF2B5EF4-FFF2-40B4-BE49-F238E27FC236}">
+                <a16:creationId xmlns:a16="http://schemas.microsoft.com/office/drawing/2014/main" id="{A6C80F67-B783-D44C-F271-4B298661C2AD}"/>
               </a:ext>
             </a:extLst>
           </p:cNvPr>
@@ -4822,7 +4876,7 @@
         </p:nvSpPr>
         <p:spPr>
           <a:xfrm>
-            <a:off x="8878142" y="3679459"/>
+            <a:off x="8570926" y="3962266"/>
             <a:ext cx="859531" cy="323165"/>
           </a:xfrm>
           <a:prstGeom prst="rect">
@@ -4866,10 +4920,10 @@
       </p:sp>
       <p:sp>
         <p:nvSpPr>
-          <p:cNvPr id="38" name="文本框 37">
-            <a:extLst>
-              <a:ext uri="{FF2B5EF4-FFF2-40B4-BE49-F238E27FC236}">
-                <a16:creationId xmlns:a16="http://schemas.microsoft.com/office/drawing/2014/main" id="{95876F7A-0E53-3DA7-46C7-4D9B65F856E2}"/>
+          <p:cNvPr id="98" name="文本框 97">
+            <a:extLst>
+              <a:ext uri="{FF2B5EF4-FFF2-40B4-BE49-F238E27FC236}">
+                <a16:creationId xmlns:a16="http://schemas.microsoft.com/office/drawing/2014/main" id="{E24CD9CF-7B5A-53D6-058A-2064E35AD4A4}"/>
               </a:ext>
             </a:extLst>
           </p:cNvPr>
@@ -4878,8 +4932,8 @@
         </p:nvSpPr>
         <p:spPr>
           <a:xfrm>
-            <a:off x="2414937" y="1639637"/>
-            <a:ext cx="1125628" cy="553998"/>
+            <a:off x="1906653" y="2101641"/>
+            <a:ext cx="2094932" cy="323165"/>
           </a:xfrm>
           <a:prstGeom prst="rect">
             <a:avLst/>
@@ -4893,6 +4947,34 @@
           <a:lstStyle/>
           <a:p>
             <a:pPr algn="ctr"/>
+            <a:r>
+              <a:rPr kumimoji="1" lang="en-US" altLang="zh-CN" sz="1500" dirty="0">
+                <a:latin typeface="Arial" panose="020B0604020202020204" pitchFamily="34" charset="0"/>
+                <a:cs typeface="Arial" panose="020B0604020202020204" pitchFamily="34" charset="0"/>
+              </a:rPr>
+              <a:t>Target</a:t>
+            </a:r>
+            <a:r>
+              <a:rPr kumimoji="1" lang="zh-CN" altLang="en-US" sz="1500" dirty="0">
+                <a:latin typeface="Arial" panose="020B0604020202020204" pitchFamily="34" charset="0"/>
+                <a:cs typeface="Arial" panose="020B0604020202020204" pitchFamily="34" charset="0"/>
+              </a:rPr>
+              <a:t> </a:t>
+            </a:r>
+            <a:r>
+              <a:rPr kumimoji="1" lang="en-US" altLang="zh-CN" sz="1500" dirty="0">
+                <a:latin typeface="Arial" panose="020B0604020202020204" pitchFamily="34" charset="0"/>
+                <a:cs typeface="Arial" panose="020B0604020202020204" pitchFamily="34" charset="0"/>
+              </a:rPr>
+              <a:t>keys</a:t>
+            </a:r>
+            <a:r>
+              <a:rPr kumimoji="1" lang="zh-CN" altLang="en-US" sz="1500" dirty="0">
+                <a:latin typeface="Arial" panose="020B0604020202020204" pitchFamily="34" charset="0"/>
+                <a:cs typeface="Arial" panose="020B0604020202020204" pitchFamily="34" charset="0"/>
+              </a:rPr>
+              <a:t> </a:t>
+            </a:r>
             <a:r>
               <a:rPr kumimoji="1" lang="en-US" altLang="zh-CN" sz="1500" dirty="0">
                 <a:solidFill>
@@ -4924,42 +5006,14 @@
               <a:t>t3, t4}</a:t>
             </a:r>
           </a:p>
-          <a:p>
-            <a:pPr algn="ctr"/>
-            <a:r>
-              <a:rPr kumimoji="1" lang="en-US" altLang="zh-CN" sz="1500" dirty="0">
-                <a:latin typeface="Arial" panose="020B0604020202020204" pitchFamily="34" charset="0"/>
-                <a:cs typeface="Arial" panose="020B0604020202020204" pitchFamily="34" charset="0"/>
-              </a:rPr>
-              <a:t>target</a:t>
-            </a:r>
-            <a:r>
-              <a:rPr kumimoji="1" lang="zh-CN" altLang="en-US" sz="1500" dirty="0">
-                <a:latin typeface="Arial" panose="020B0604020202020204" pitchFamily="34" charset="0"/>
-                <a:cs typeface="Arial" panose="020B0604020202020204" pitchFamily="34" charset="0"/>
-              </a:rPr>
-              <a:t> </a:t>
-            </a:r>
-            <a:r>
-              <a:rPr kumimoji="1" lang="en-US" altLang="zh-CN" sz="1500" dirty="0">
-                <a:latin typeface="Arial" panose="020B0604020202020204" pitchFamily="34" charset="0"/>
-                <a:cs typeface="Arial" panose="020B0604020202020204" pitchFamily="34" charset="0"/>
-              </a:rPr>
-              <a:t>keys</a:t>
-            </a:r>
-            <a:endParaRPr kumimoji="1" lang="zh-CN" altLang="en-US" sz="1500" dirty="0">
-              <a:latin typeface="Arial" panose="020B0604020202020204" pitchFamily="34" charset="0"/>
-              <a:cs typeface="Arial" panose="020B0604020202020204" pitchFamily="34" charset="0"/>
-            </a:endParaRPr>
-          </a:p>
         </p:txBody>
       </p:sp>
       <p:cxnSp>
         <p:nvCxnSpPr>
-          <p:cNvPr id="39" name="直线箭头连接符 38">
-            <a:extLst>
-              <a:ext uri="{FF2B5EF4-FFF2-40B4-BE49-F238E27FC236}">
-                <a16:creationId xmlns:a16="http://schemas.microsoft.com/office/drawing/2014/main" id="{74F399D7-8ED4-A4A0-39EA-A4746D7EA473}"/>
+          <p:cNvPr id="99" name="直线箭头连接符 98">
+            <a:extLst>
+              <a:ext uri="{FF2B5EF4-FFF2-40B4-BE49-F238E27FC236}">
+                <a16:creationId xmlns:a16="http://schemas.microsoft.com/office/drawing/2014/main" id="{4B3A6525-AFC8-6027-F51A-2926D1578730}"/>
               </a:ext>
             </a:extLst>
           </p:cNvPr>
@@ -4970,7 +5024,7 @@
         </p:nvCxnSpPr>
         <p:spPr>
           <a:xfrm flipV="1">
-            <a:off x="3344043" y="2832187"/>
+            <a:off x="2851766" y="3114994"/>
             <a:ext cx="0" cy="468000"/>
           </a:xfrm>
           <a:prstGeom prst="straightConnector1">
@@ -5000,10 +5054,10 @@
       </p:cxnSp>
       <p:pic>
         <p:nvPicPr>
-          <p:cNvPr id="40" name="图片 39">
-            <a:extLst>
-              <a:ext uri="{FF2B5EF4-FFF2-40B4-BE49-F238E27FC236}">
-                <a16:creationId xmlns:a16="http://schemas.microsoft.com/office/drawing/2014/main" id="{947366A3-2F6B-9C21-7BBA-656F35DE437B}"/>
+          <p:cNvPr id="100" name="图片 99">
+            <a:extLst>
+              <a:ext uri="{FF2B5EF4-FFF2-40B4-BE49-F238E27FC236}">
+                <a16:creationId xmlns:a16="http://schemas.microsoft.com/office/drawing/2014/main" id="{66BF6BA1-386C-0E07-4D85-CE5198AADA06}"/>
               </a:ext>
             </a:extLst>
           </p:cNvPr>
@@ -5020,7 +5074,7 @@
         </p:blipFill>
         <p:spPr>
           <a:xfrm>
-            <a:off x="3090442" y="2453094"/>
+            <a:off x="2598165" y="2735901"/>
             <a:ext cx="467137" cy="358517"/>
           </a:xfrm>
           <a:prstGeom prst="rect">
@@ -5030,10 +5084,10 @@
       </p:pic>
       <p:sp>
         <p:nvSpPr>
-          <p:cNvPr id="41" name="文本框 40">
-            <a:extLst>
-              <a:ext uri="{FF2B5EF4-FFF2-40B4-BE49-F238E27FC236}">
-                <a16:creationId xmlns:a16="http://schemas.microsoft.com/office/drawing/2014/main" id="{A8108D6A-50BB-857F-AFEC-4C210075F801}"/>
+          <p:cNvPr id="101" name="文本框 100">
+            <a:extLst>
+              <a:ext uri="{FF2B5EF4-FFF2-40B4-BE49-F238E27FC236}">
+                <a16:creationId xmlns:a16="http://schemas.microsoft.com/office/drawing/2014/main" id="{5D5AA6F9-92C8-6616-1276-12385AE81E21}"/>
               </a:ext>
             </a:extLst>
           </p:cNvPr>
@@ -5042,7 +5096,7 @@
         </p:nvSpPr>
         <p:spPr>
           <a:xfrm>
-            <a:off x="2799712" y="2374452"/>
+            <a:off x="2307435" y="2657259"/>
             <a:ext cx="356188" cy="584775"/>
           </a:xfrm>
           <a:prstGeom prst="rect">
@@ -5080,10 +5134,10 @@
       </p:sp>
       <p:pic>
         <p:nvPicPr>
-          <p:cNvPr id="42" name="图片 41">
-            <a:extLst>
-              <a:ext uri="{FF2B5EF4-FFF2-40B4-BE49-F238E27FC236}">
-                <a16:creationId xmlns:a16="http://schemas.microsoft.com/office/drawing/2014/main" id="{987C1A3B-2119-51C3-F48D-BCF7A5633CEC}"/>
+          <p:cNvPr id="102" name="图片 101">
+            <a:extLst>
+              <a:ext uri="{FF2B5EF4-FFF2-40B4-BE49-F238E27FC236}">
+                <a16:creationId xmlns:a16="http://schemas.microsoft.com/office/drawing/2014/main" id="{1B23F257-BAF2-7B25-319C-3F82FB977D26}"/>
               </a:ext>
             </a:extLst>
           </p:cNvPr>
@@ -5100,7 +5154,7 @@
         </p:blipFill>
         <p:spPr>
           <a:xfrm flipV="1">
-            <a:off x="3850495" y="2453242"/>
+            <a:off x="3358218" y="2736049"/>
             <a:ext cx="468000" cy="358517"/>
           </a:xfrm>
           <a:prstGeom prst="rect">
@@ -5110,10 +5164,10 @@
       </p:pic>
       <p:cxnSp>
         <p:nvCxnSpPr>
-          <p:cNvPr id="43" name="直线箭头连接符 42">
-            <a:extLst>
-              <a:ext uri="{FF2B5EF4-FFF2-40B4-BE49-F238E27FC236}">
-                <a16:creationId xmlns:a16="http://schemas.microsoft.com/office/drawing/2014/main" id="{41B4AB7E-7E4D-A641-1B2D-C94A5560B6EB}"/>
+          <p:cNvPr id="103" name="直线箭头连接符 102">
+            <a:extLst>
+              <a:ext uri="{FF2B5EF4-FFF2-40B4-BE49-F238E27FC236}">
+                <a16:creationId xmlns:a16="http://schemas.microsoft.com/office/drawing/2014/main" id="{728F9EF7-0585-EF18-6A29-6E01ECFA5CC8}"/>
               </a:ext>
             </a:extLst>
           </p:cNvPr>
@@ -5124,7 +5178,7 @@
         </p:nvCxnSpPr>
         <p:spPr>
           <a:xfrm flipV="1">
-            <a:off x="4059192" y="2832187"/>
+            <a:off x="3566915" y="3114994"/>
             <a:ext cx="0" cy="468000"/>
           </a:xfrm>
           <a:prstGeom prst="straightConnector1">
@@ -5154,10 +5208,10 @@
       </p:cxnSp>
       <p:sp>
         <p:nvSpPr>
-          <p:cNvPr id="44" name="文本框 43">
-            <a:extLst>
-              <a:ext uri="{FF2B5EF4-FFF2-40B4-BE49-F238E27FC236}">
-                <a16:creationId xmlns:a16="http://schemas.microsoft.com/office/drawing/2014/main" id="{16664E43-5A9C-1456-1DBD-34AFFC3E241D}"/>
+          <p:cNvPr id="104" name="文本框 103">
+            <a:extLst>
+              <a:ext uri="{FF2B5EF4-FFF2-40B4-BE49-F238E27FC236}">
+                <a16:creationId xmlns:a16="http://schemas.microsoft.com/office/drawing/2014/main" id="{6647BE16-A00B-575A-A618-B8C90C232951}"/>
               </a:ext>
             </a:extLst>
           </p:cNvPr>
@@ -5166,7 +5220,7 @@
         </p:nvSpPr>
         <p:spPr>
           <a:xfrm>
-            <a:off x="3561145" y="2291373"/>
+            <a:off x="3068868" y="2574180"/>
             <a:ext cx="356188" cy="584775"/>
           </a:xfrm>
           <a:prstGeom prst="rect">
@@ -5204,10 +5258,10 @@
       </p:sp>
       <p:pic>
         <p:nvPicPr>
-          <p:cNvPr id="45" name="图片 44">
-            <a:extLst>
-              <a:ext uri="{FF2B5EF4-FFF2-40B4-BE49-F238E27FC236}">
-                <a16:creationId xmlns:a16="http://schemas.microsoft.com/office/drawing/2014/main" id="{C18E7B85-CD57-AD00-52E2-51928AE5ABF5}"/>
+          <p:cNvPr id="105" name="图片 104">
+            <a:extLst>
+              <a:ext uri="{FF2B5EF4-FFF2-40B4-BE49-F238E27FC236}">
+                <a16:creationId xmlns:a16="http://schemas.microsoft.com/office/drawing/2014/main" id="{E09979A4-111B-9F4E-4217-F65D88863BC7}"/>
               </a:ext>
             </a:extLst>
           </p:cNvPr>
@@ -5224,7 +5278,7 @@
         </p:blipFill>
         <p:spPr>
           <a:xfrm>
-            <a:off x="4599849" y="2462628"/>
+            <a:off x="4107572" y="2745435"/>
             <a:ext cx="467137" cy="358517"/>
           </a:xfrm>
           <a:prstGeom prst="rect">
@@ -5234,10 +5288,10 @@
       </p:pic>
       <p:cxnSp>
         <p:nvCxnSpPr>
-          <p:cNvPr id="46" name="直线箭头连接符 45">
-            <a:extLst>
-              <a:ext uri="{FF2B5EF4-FFF2-40B4-BE49-F238E27FC236}">
-                <a16:creationId xmlns:a16="http://schemas.microsoft.com/office/drawing/2014/main" id="{46F86351-B988-7273-105D-F5B937CB1183}"/>
+          <p:cNvPr id="106" name="直线箭头连接符 105">
+            <a:extLst>
+              <a:ext uri="{FF2B5EF4-FFF2-40B4-BE49-F238E27FC236}">
+                <a16:creationId xmlns:a16="http://schemas.microsoft.com/office/drawing/2014/main" id="{E341964B-619C-9F5A-A919-BD9F1E33C14B}"/>
               </a:ext>
             </a:extLst>
           </p:cNvPr>
@@ -5248,7 +5302,7 @@
         </p:nvCxnSpPr>
         <p:spPr>
           <a:xfrm flipV="1">
-            <a:off x="4833417" y="2832187"/>
+            <a:off x="4341140" y="3114994"/>
             <a:ext cx="0" cy="468000"/>
           </a:xfrm>
           <a:prstGeom prst="straightConnector1">
@@ -5278,10 +5332,10 @@
       </p:cxnSp>
       <p:sp>
         <p:nvSpPr>
-          <p:cNvPr id="47" name="文本框 46">
-            <a:extLst>
-              <a:ext uri="{FF2B5EF4-FFF2-40B4-BE49-F238E27FC236}">
-                <a16:creationId xmlns:a16="http://schemas.microsoft.com/office/drawing/2014/main" id="{6EB76ACA-1E4E-917E-F747-FFD0780E317A}"/>
+          <p:cNvPr id="107" name="文本框 106">
+            <a:extLst>
+              <a:ext uri="{FF2B5EF4-FFF2-40B4-BE49-F238E27FC236}">
+                <a16:creationId xmlns:a16="http://schemas.microsoft.com/office/drawing/2014/main" id="{026FB225-D8FF-35EE-AC24-44AEBAC2692D}"/>
               </a:ext>
             </a:extLst>
           </p:cNvPr>
@@ -5290,7 +5344,7 @@
         </p:nvSpPr>
         <p:spPr>
           <a:xfrm>
-            <a:off x="4300273" y="2374452"/>
+            <a:off x="3807996" y="2657259"/>
             <a:ext cx="356188" cy="584775"/>
           </a:xfrm>
           <a:prstGeom prst="rect">
@@ -5328,10 +5382,10 @@
       </p:sp>
       <p:cxnSp>
         <p:nvCxnSpPr>
-          <p:cNvPr id="48" name="直线箭头连接符 47">
-            <a:extLst>
-              <a:ext uri="{FF2B5EF4-FFF2-40B4-BE49-F238E27FC236}">
-                <a16:creationId xmlns:a16="http://schemas.microsoft.com/office/drawing/2014/main" id="{5A1580BB-6618-DEE8-A0C9-3342C6D8B753}"/>
+          <p:cNvPr id="108" name="直线箭头连接符 107">
+            <a:extLst>
+              <a:ext uri="{FF2B5EF4-FFF2-40B4-BE49-F238E27FC236}">
+                <a16:creationId xmlns:a16="http://schemas.microsoft.com/office/drawing/2014/main" id="{2C1BF431-4493-9CCE-F6E8-9E826897A3AD}"/>
               </a:ext>
             </a:extLst>
           </p:cNvPr>
@@ -5342,7 +5396,7 @@
         </p:nvCxnSpPr>
         <p:spPr>
           <a:xfrm flipV="1">
-            <a:off x="5629043" y="2821145"/>
+            <a:off x="5223854" y="3103952"/>
             <a:ext cx="0" cy="468000"/>
           </a:xfrm>
           <a:prstGeom prst="straightConnector1">
@@ -5372,10 +5426,10 @@
       </p:cxnSp>
       <p:pic>
         <p:nvPicPr>
-          <p:cNvPr id="49" name="图片 48">
-            <a:extLst>
-              <a:ext uri="{FF2B5EF4-FFF2-40B4-BE49-F238E27FC236}">
-                <a16:creationId xmlns:a16="http://schemas.microsoft.com/office/drawing/2014/main" id="{6069D23B-B019-0343-D789-2458537A80FD}"/>
+          <p:cNvPr id="109" name="图片 108">
+            <a:extLst>
+              <a:ext uri="{FF2B5EF4-FFF2-40B4-BE49-F238E27FC236}">
+                <a16:creationId xmlns:a16="http://schemas.microsoft.com/office/drawing/2014/main" id="{2AF56429-0F1E-DBA9-363E-A214FF346CE7}"/>
               </a:ext>
             </a:extLst>
           </p:cNvPr>
@@ -5391,7 +5445,7 @@
         </p:blipFill>
         <p:spPr>
           <a:xfrm>
-            <a:off x="5383002" y="2467445"/>
+            <a:off x="4977813" y="2750252"/>
             <a:ext cx="467137" cy="356400"/>
           </a:xfrm>
           <a:prstGeom prst="rect">
@@ -5401,10 +5455,10 @@
       </p:pic>
       <p:sp>
         <p:nvSpPr>
-          <p:cNvPr id="50" name="文本框 49">
-            <a:extLst>
-              <a:ext uri="{FF2B5EF4-FFF2-40B4-BE49-F238E27FC236}">
-                <a16:creationId xmlns:a16="http://schemas.microsoft.com/office/drawing/2014/main" id="{33B40DC5-5131-160A-E9C4-DEFCDA635CE5}"/>
+          <p:cNvPr id="110" name="文本框 109">
+            <a:extLst>
+              <a:ext uri="{FF2B5EF4-FFF2-40B4-BE49-F238E27FC236}">
+                <a16:creationId xmlns:a16="http://schemas.microsoft.com/office/drawing/2014/main" id="{74AA0F87-D2B0-9213-25FE-DC462F880189}"/>
               </a:ext>
             </a:extLst>
           </p:cNvPr>
@@ -5413,7 +5467,7 @@
         </p:nvSpPr>
         <p:spPr>
           <a:xfrm>
-            <a:off x="5124620" y="2374032"/>
+            <a:off x="4719431" y="2656839"/>
             <a:ext cx="356188" cy="584775"/>
           </a:xfrm>
           <a:prstGeom prst="rect">
@@ -5454,10 +5508,10 @@
       </p:sp>
       <p:cxnSp>
         <p:nvCxnSpPr>
-          <p:cNvPr id="51" name="直线箭头连接符 50">
-            <a:extLst>
-              <a:ext uri="{FF2B5EF4-FFF2-40B4-BE49-F238E27FC236}">
-                <a16:creationId xmlns:a16="http://schemas.microsoft.com/office/drawing/2014/main" id="{BEAA65B0-3400-923C-05BD-A1D94221D9E6}"/>
+          <p:cNvPr id="111" name="直线箭头连接符 110">
+            <a:extLst>
+              <a:ext uri="{FF2B5EF4-FFF2-40B4-BE49-F238E27FC236}">
+                <a16:creationId xmlns:a16="http://schemas.microsoft.com/office/drawing/2014/main" id="{B883605A-88EA-8F13-C917-5CCD23A15FCD}"/>
               </a:ext>
             </a:extLst>
           </p:cNvPr>
@@ -5468,7 +5522,7 @@
         </p:nvCxnSpPr>
         <p:spPr>
           <a:xfrm flipV="1">
-            <a:off x="7086842" y="2821145"/>
+            <a:off x="6681653" y="3103952"/>
             <a:ext cx="0" cy="468000"/>
           </a:xfrm>
           <a:prstGeom prst="straightConnector1">
@@ -5498,10 +5552,10 @@
       </p:cxnSp>
       <p:pic>
         <p:nvPicPr>
-          <p:cNvPr id="52" name="图片 51">
-            <a:extLst>
-              <a:ext uri="{FF2B5EF4-FFF2-40B4-BE49-F238E27FC236}">
-                <a16:creationId xmlns:a16="http://schemas.microsoft.com/office/drawing/2014/main" id="{3FC0B743-6961-2071-64E6-180C4AFF544E}"/>
+          <p:cNvPr id="112" name="图片 111">
+            <a:extLst>
+              <a:ext uri="{FF2B5EF4-FFF2-40B4-BE49-F238E27FC236}">
+                <a16:creationId xmlns:a16="http://schemas.microsoft.com/office/drawing/2014/main" id="{1DBDB9E5-924C-C0A0-D26E-BC66008BC79C}"/>
               </a:ext>
             </a:extLst>
           </p:cNvPr>
@@ -5518,7 +5572,7 @@
         </p:blipFill>
         <p:spPr>
           <a:xfrm>
-            <a:off x="6873481" y="2467428"/>
+            <a:off x="6468292" y="2750235"/>
             <a:ext cx="467137" cy="358517"/>
           </a:xfrm>
           <a:prstGeom prst="rect">
@@ -5528,10 +5582,10 @@
       </p:pic>
       <p:sp>
         <p:nvSpPr>
-          <p:cNvPr id="53" name="文本框 52">
-            <a:extLst>
-              <a:ext uri="{FF2B5EF4-FFF2-40B4-BE49-F238E27FC236}">
-                <a16:creationId xmlns:a16="http://schemas.microsoft.com/office/drawing/2014/main" id="{856C1A38-FED0-4F32-AFAE-F7B184DB785F}"/>
+          <p:cNvPr id="113" name="文本框 112">
+            <a:extLst>
+              <a:ext uri="{FF2B5EF4-FFF2-40B4-BE49-F238E27FC236}">
+                <a16:creationId xmlns:a16="http://schemas.microsoft.com/office/drawing/2014/main" id="{A87662FE-ADB0-8496-5DB3-81E701463BF6}"/>
               </a:ext>
             </a:extLst>
           </p:cNvPr>
@@ -5540,7 +5594,7 @@
         </p:nvSpPr>
         <p:spPr>
           <a:xfrm>
-            <a:off x="6574134" y="2384918"/>
+            <a:off x="6168945" y="2667725"/>
             <a:ext cx="356188" cy="584775"/>
           </a:xfrm>
           <a:prstGeom prst="rect">
@@ -5578,10 +5632,10 @@
       </p:sp>
       <p:cxnSp>
         <p:nvCxnSpPr>
-          <p:cNvPr id="54" name="直线箭头连接符 53">
-            <a:extLst>
-              <a:ext uri="{FF2B5EF4-FFF2-40B4-BE49-F238E27FC236}">
-                <a16:creationId xmlns:a16="http://schemas.microsoft.com/office/drawing/2014/main" id="{5A914CFD-ADC4-B10D-061B-F859BD367976}"/>
+          <p:cNvPr id="114" name="直线箭头连接符 113">
+            <a:extLst>
+              <a:ext uri="{FF2B5EF4-FFF2-40B4-BE49-F238E27FC236}">
+                <a16:creationId xmlns:a16="http://schemas.microsoft.com/office/drawing/2014/main" id="{828334DE-4736-CA0D-CCD2-DD109C651FE4}"/>
               </a:ext>
             </a:extLst>
           </p:cNvPr>
@@ -5591,9 +5645,9 @@
           <p:nvPr/>
         </p:nvCxnSpPr>
         <p:spPr>
-          <a:xfrm flipV="1">
-            <a:off x="3895464" y="1628260"/>
-            <a:ext cx="0" cy="468000"/>
+          <a:xfrm>
+            <a:off x="7225880" y="2243598"/>
+            <a:ext cx="549147" cy="0"/>
           </a:xfrm>
           <a:prstGeom prst="straightConnector1">
             <a:avLst/>
@@ -5622,10 +5676,10 @@
       </p:cxnSp>
       <p:sp>
         <p:nvSpPr>
-          <p:cNvPr id="55" name="文本框 54">
-            <a:extLst>
-              <a:ext uri="{FF2B5EF4-FFF2-40B4-BE49-F238E27FC236}">
-                <a16:creationId xmlns:a16="http://schemas.microsoft.com/office/drawing/2014/main" id="{44A616A7-0B6F-44B0-3D1F-71A413B65D62}"/>
+          <p:cNvPr id="115" name="文本框 114">
+            <a:extLst>
+              <a:ext uri="{FF2B5EF4-FFF2-40B4-BE49-F238E27FC236}">
+                <a16:creationId xmlns:a16="http://schemas.microsoft.com/office/drawing/2014/main" id="{6A0E70E6-3007-1FAC-3F6D-D71C6C78FD1D}"/>
               </a:ext>
             </a:extLst>
           </p:cNvPr>
@@ -5634,8 +5688,8 @@
         </p:nvSpPr>
         <p:spPr>
           <a:xfrm>
-            <a:off x="3958583" y="1777390"/>
-            <a:ext cx="550151" cy="323165"/>
+            <a:off x="7770802" y="2082016"/>
+            <a:ext cx="614271" cy="323165"/>
           </a:xfrm>
           <a:prstGeom prst="rect">
             <a:avLst/>
@@ -5653,7 +5707,7 @@
                 <a:latin typeface="Arial" panose="020B0604020202020204" pitchFamily="34" charset="0"/>
                 <a:cs typeface="Arial" panose="020B0604020202020204" pitchFamily="34" charset="0"/>
               </a:rPr>
-              <a:t>load</a:t>
+              <a:t>Load</a:t>
             </a:r>
             <a:endParaRPr kumimoji="1" lang="zh-CN" altLang="en-US" sz="1500" dirty="0">
               <a:latin typeface="Arial" panose="020B0604020202020204" pitchFamily="34" charset="0"/>
@@ -5664,10 +5718,10 @@
       </p:sp>
       <p:cxnSp>
         <p:nvCxnSpPr>
-          <p:cNvPr id="56" name="直线连接符 55">
-            <a:extLst>
-              <a:ext uri="{FF2B5EF4-FFF2-40B4-BE49-F238E27FC236}">
-                <a16:creationId xmlns:a16="http://schemas.microsoft.com/office/drawing/2014/main" id="{8B70FC59-57C0-3BCF-966E-24F82054DB25}"/>
+          <p:cNvPr id="116" name="直线连接符 115">
+            <a:extLst>
+              <a:ext uri="{FF2B5EF4-FFF2-40B4-BE49-F238E27FC236}">
+                <a16:creationId xmlns:a16="http://schemas.microsoft.com/office/drawing/2014/main" id="{2B02F65C-E976-83DD-A98E-1DE952C71D6C}"/>
               </a:ext>
             </a:extLst>
           </p:cNvPr>
@@ -5678,7 +5732,7 @@
         </p:nvCxnSpPr>
         <p:spPr>
           <a:xfrm flipV="1">
-            <a:off x="7400912" y="2374032"/>
+            <a:off x="7039267" y="2656839"/>
             <a:ext cx="0" cy="1598201"/>
           </a:xfrm>
           <a:prstGeom prst="line">
@@ -5705,10 +5759,10 @@
       </p:cxnSp>
       <p:cxnSp>
         <p:nvCxnSpPr>
-          <p:cNvPr id="57" name="直线箭头连接符 56">
-            <a:extLst>
-              <a:ext uri="{FF2B5EF4-FFF2-40B4-BE49-F238E27FC236}">
-                <a16:creationId xmlns:a16="http://schemas.microsoft.com/office/drawing/2014/main" id="{FD40BAED-0157-D033-C315-970728F1D7D0}"/>
+          <p:cNvPr id="117" name="直线箭头连接符 116">
+            <a:extLst>
+              <a:ext uri="{FF2B5EF4-FFF2-40B4-BE49-F238E27FC236}">
+                <a16:creationId xmlns:a16="http://schemas.microsoft.com/office/drawing/2014/main" id="{EFA2501C-E5F3-A065-DF65-F4DC609B7867}"/>
               </a:ext>
             </a:extLst>
           </p:cNvPr>
@@ -5719,7 +5773,7 @@
         </p:nvCxnSpPr>
         <p:spPr>
           <a:xfrm flipV="1">
-            <a:off x="4893349" y="1628260"/>
+            <a:off x="7770802" y="709251"/>
             <a:ext cx="0" cy="468000"/>
           </a:xfrm>
           <a:prstGeom prst="straightConnector1">
@@ -5751,10 +5805,10 @@
       </p:cxnSp>
       <p:sp>
         <p:nvSpPr>
-          <p:cNvPr id="58" name="文本框 57">
-            <a:extLst>
-              <a:ext uri="{FF2B5EF4-FFF2-40B4-BE49-F238E27FC236}">
-                <a16:creationId xmlns:a16="http://schemas.microsoft.com/office/drawing/2014/main" id="{19B048C7-748D-4D24-B4DF-C583925914EA}"/>
+          <p:cNvPr id="118" name="文本框 117">
+            <a:extLst>
+              <a:ext uri="{FF2B5EF4-FFF2-40B4-BE49-F238E27FC236}">
+                <a16:creationId xmlns:a16="http://schemas.microsoft.com/office/drawing/2014/main" id="{C7A92A64-6EC5-1EBF-628E-5BA3FDBC17A9}"/>
               </a:ext>
             </a:extLst>
           </p:cNvPr>
@@ -5763,7 +5817,7 @@
         </p:nvSpPr>
         <p:spPr>
           <a:xfrm>
-            <a:off x="5049066" y="1761718"/>
+            <a:off x="8130741" y="400732"/>
             <a:ext cx="880369" cy="323165"/>
           </a:xfrm>
           <a:prstGeom prst="rect">
@@ -5793,10 +5847,10 @@
       </p:sp>
       <p:pic>
         <p:nvPicPr>
-          <p:cNvPr id="59" name="图片 58">
-            <a:extLst>
-              <a:ext uri="{FF2B5EF4-FFF2-40B4-BE49-F238E27FC236}">
-                <a16:creationId xmlns:a16="http://schemas.microsoft.com/office/drawing/2014/main" id="{F766A1F6-4A2F-3B88-DC17-F16F185520ED}"/>
+          <p:cNvPr id="119" name="图片 118">
+            <a:extLst>
+              <a:ext uri="{FF2B5EF4-FFF2-40B4-BE49-F238E27FC236}">
+                <a16:creationId xmlns:a16="http://schemas.microsoft.com/office/drawing/2014/main" id="{A266E3B9-F73B-5025-5FFB-E6C2A49562A9}"/>
               </a:ext>
             </a:extLst>
           </p:cNvPr>
@@ -5812,7 +5866,7 @@
         </p:blipFill>
         <p:spPr>
           <a:xfrm>
-            <a:off x="7612680" y="2468422"/>
+            <a:off x="7305464" y="2751229"/>
             <a:ext cx="467137" cy="356400"/>
           </a:xfrm>
           <a:prstGeom prst="rect">
@@ -5822,10 +5876,10 @@
       </p:pic>
       <p:sp>
         <p:nvSpPr>
-          <p:cNvPr id="60" name="文本框 59">
-            <a:extLst>
-              <a:ext uri="{FF2B5EF4-FFF2-40B4-BE49-F238E27FC236}">
-                <a16:creationId xmlns:a16="http://schemas.microsoft.com/office/drawing/2014/main" id="{6B6BA0F9-E91B-277C-5BC7-E4B7A7C2195B}"/>
+          <p:cNvPr id="120" name="文本框 119">
+            <a:extLst>
+              <a:ext uri="{FF2B5EF4-FFF2-40B4-BE49-F238E27FC236}">
+                <a16:creationId xmlns:a16="http://schemas.microsoft.com/office/drawing/2014/main" id="{47C11BF5-870B-31B5-5448-DAD286797018}"/>
               </a:ext>
             </a:extLst>
           </p:cNvPr>
@@ -5834,7 +5888,7 @@
         </p:nvSpPr>
         <p:spPr>
           <a:xfrm>
-            <a:off x="7351691" y="2340507"/>
+            <a:off x="7044475" y="2623314"/>
             <a:ext cx="356188" cy="584775"/>
           </a:xfrm>
           <a:prstGeom prst="rect">
@@ -5875,10 +5929,10 @@
       </p:sp>
       <p:cxnSp>
         <p:nvCxnSpPr>
-          <p:cNvPr id="61" name="直线箭头连接符 60">
-            <a:extLst>
-              <a:ext uri="{FF2B5EF4-FFF2-40B4-BE49-F238E27FC236}">
-                <a16:creationId xmlns:a16="http://schemas.microsoft.com/office/drawing/2014/main" id="{6D3DE21B-BDEB-00E7-848A-80772A1A852E}"/>
+          <p:cNvPr id="121" name="直线箭头连接符 120">
+            <a:extLst>
+              <a:ext uri="{FF2B5EF4-FFF2-40B4-BE49-F238E27FC236}">
+                <a16:creationId xmlns:a16="http://schemas.microsoft.com/office/drawing/2014/main" id="{52A39A5B-56A8-A97C-5CD9-04911AB511E2}"/>
               </a:ext>
             </a:extLst>
           </p:cNvPr>
@@ -5889,7 +5943,7 @@
         </p:nvCxnSpPr>
         <p:spPr>
           <a:xfrm flipV="1">
-            <a:off x="7759865" y="2824318"/>
+            <a:off x="7452649" y="3107125"/>
             <a:ext cx="0" cy="468000"/>
           </a:xfrm>
           <a:prstGeom prst="straightConnector1">
@@ -5919,10 +5973,10 @@
       </p:cxnSp>
       <p:cxnSp>
         <p:nvCxnSpPr>
-          <p:cNvPr id="62" name="直线箭头连接符 61">
-            <a:extLst>
-              <a:ext uri="{FF2B5EF4-FFF2-40B4-BE49-F238E27FC236}">
-                <a16:creationId xmlns:a16="http://schemas.microsoft.com/office/drawing/2014/main" id="{50C4A841-D0EF-716C-F0D9-BF9BB9A79245}"/>
+          <p:cNvPr id="122" name="直线箭头连接符 121">
+            <a:extLst>
+              <a:ext uri="{FF2B5EF4-FFF2-40B4-BE49-F238E27FC236}">
+                <a16:creationId xmlns:a16="http://schemas.microsoft.com/office/drawing/2014/main" id="{DF1D4387-CB4A-5BC8-0DF1-88A12EDE55B8}"/>
               </a:ext>
             </a:extLst>
           </p:cNvPr>
@@ -5933,7 +5987,7 @@
         </p:nvCxnSpPr>
         <p:spPr>
           <a:xfrm flipV="1">
-            <a:off x="7954307" y="2826833"/>
+            <a:off x="7647091" y="3109640"/>
             <a:ext cx="0" cy="456623"/>
           </a:xfrm>
           <a:prstGeom prst="straightConnector1">
@@ -5965,10 +6019,10 @@
       </p:cxnSp>
       <p:cxnSp>
         <p:nvCxnSpPr>
-          <p:cNvPr id="63" name="直线箭头连接符 62">
-            <a:extLst>
-              <a:ext uri="{FF2B5EF4-FFF2-40B4-BE49-F238E27FC236}">
-                <a16:creationId xmlns:a16="http://schemas.microsoft.com/office/drawing/2014/main" id="{E101B0D9-069E-7B8A-1BF8-498990B09CEF}"/>
+          <p:cNvPr id="123" name="直线箭头连接符 122">
+            <a:extLst>
+              <a:ext uri="{FF2B5EF4-FFF2-40B4-BE49-F238E27FC236}">
+                <a16:creationId xmlns:a16="http://schemas.microsoft.com/office/drawing/2014/main" id="{345511A0-892B-A7EA-97E6-09407CDC342E}"/>
               </a:ext>
             </a:extLst>
           </p:cNvPr>
@@ -5979,7 +6033,7 @@
         </p:nvCxnSpPr>
         <p:spPr>
           <a:xfrm flipV="1">
-            <a:off x="8576063" y="2810910"/>
+            <a:off x="8268847" y="3093717"/>
             <a:ext cx="0" cy="468000"/>
           </a:xfrm>
           <a:prstGeom prst="straightConnector1">
@@ -6009,10 +6063,10 @@
       </p:cxnSp>
       <p:pic>
         <p:nvPicPr>
-          <p:cNvPr id="64" name="图片 63">
-            <a:extLst>
-              <a:ext uri="{FF2B5EF4-FFF2-40B4-BE49-F238E27FC236}">
-                <a16:creationId xmlns:a16="http://schemas.microsoft.com/office/drawing/2014/main" id="{A82AC303-BAB5-565B-E4C8-3E2F9F989F6F}"/>
+          <p:cNvPr id="124" name="图片 123">
+            <a:extLst>
+              <a:ext uri="{FF2B5EF4-FFF2-40B4-BE49-F238E27FC236}">
+                <a16:creationId xmlns:a16="http://schemas.microsoft.com/office/drawing/2014/main" id="{799B6B2D-ED99-D40D-AC03-E47940091156}"/>
               </a:ext>
             </a:extLst>
           </p:cNvPr>
@@ -6029,7 +6083,7 @@
         </p:blipFill>
         <p:spPr>
           <a:xfrm flipV="1">
-            <a:off x="8342063" y="2454875"/>
+            <a:off x="8034847" y="2737682"/>
             <a:ext cx="468000" cy="358517"/>
           </a:xfrm>
           <a:prstGeom prst="rect">
@@ -6039,10 +6093,10 @@
       </p:pic>
       <p:sp>
         <p:nvSpPr>
-          <p:cNvPr id="65" name="文本框 64">
-            <a:extLst>
-              <a:ext uri="{FF2B5EF4-FFF2-40B4-BE49-F238E27FC236}">
-                <a16:creationId xmlns:a16="http://schemas.microsoft.com/office/drawing/2014/main" id="{6E30D7BD-5E71-5C58-23B3-CF54D9E9209A}"/>
+          <p:cNvPr id="125" name="文本框 124">
+            <a:extLst>
+              <a:ext uri="{FF2B5EF4-FFF2-40B4-BE49-F238E27FC236}">
+                <a16:creationId xmlns:a16="http://schemas.microsoft.com/office/drawing/2014/main" id="{1EC472A9-7FEE-E778-2F20-CF9F93743451}"/>
               </a:ext>
             </a:extLst>
           </p:cNvPr>
@@ -6051,7 +6105,7 @@
         </p:nvSpPr>
         <p:spPr>
           <a:xfrm>
-            <a:off x="8078018" y="2340507"/>
+            <a:off x="7770802" y="2623314"/>
             <a:ext cx="356188" cy="584775"/>
           </a:xfrm>
           <a:prstGeom prst="rect">
@@ -6084,6 +6138,159 @@
               </a:rPr>
               <a:t>t3</a:t>
             </a:r>
+          </a:p>
+        </p:txBody>
+      </p:sp>
+      <p:sp>
+        <p:nvSpPr>
+          <p:cNvPr id="129" name="文本框 128">
+            <a:extLst>
+              <a:ext uri="{FF2B5EF4-FFF2-40B4-BE49-F238E27FC236}">
+                <a16:creationId xmlns:a16="http://schemas.microsoft.com/office/drawing/2014/main" id="{C05AF021-68B6-65BC-79B6-FD2615963008}"/>
+              </a:ext>
+            </a:extLst>
+          </p:cNvPr>
+          <p:cNvSpPr txBox="1"/>
+          <p:nvPr/>
+        </p:nvSpPr>
+        <p:spPr>
+          <a:xfrm>
+            <a:off x="4110441" y="2093596"/>
+            <a:ext cx="2803973" cy="323165"/>
+          </a:xfrm>
+          <a:prstGeom prst="rect">
+            <a:avLst/>
+          </a:prstGeom>
+          <a:noFill/>
+        </p:spPr>
+        <p:txBody>
+          <a:bodyPr wrap="none" rtlCol="0">
+            <a:spAutoFit/>
+          </a:bodyPr>
+          <a:lstStyle/>
+          <a:p>
+            <a:r>
+              <a:rPr kumimoji="1" lang="en-US" altLang="zh-CN" sz="1500" dirty="0">
+                <a:latin typeface="Arial" panose="020B0604020202020204" pitchFamily="34" charset="0"/>
+                <a:cs typeface="Arial" panose="020B0604020202020204" pitchFamily="34" charset="0"/>
+              </a:rPr>
+              <a:t>I</a:t>
+            </a:r>
+            <a:r>
+              <a:rPr kumimoji="1" lang="en" altLang="zh-CN" sz="1500" dirty="0" err="1">
+                <a:latin typeface="Arial" panose="020B0604020202020204" pitchFamily="34" charset="0"/>
+                <a:cs typeface="Arial" panose="020B0604020202020204" pitchFamily="34" charset="0"/>
+              </a:rPr>
+              <a:t>mportance</a:t>
+            </a:r>
+            <a:r>
+              <a:rPr kumimoji="1" lang="en" altLang="zh-CN" sz="1500" dirty="0">
+                <a:latin typeface="Arial" panose="020B0604020202020204" pitchFamily="34" charset="0"/>
+                <a:cs typeface="Arial" panose="020B0604020202020204" pitchFamily="34" charset="0"/>
+              </a:rPr>
+              <a:t> ranking</a:t>
+            </a:r>
+            <a:r>
+              <a:rPr kumimoji="1" lang="zh-CN" altLang="en-US" sz="1500" dirty="0">
+                <a:latin typeface="Arial" panose="020B0604020202020204" pitchFamily="34" charset="0"/>
+                <a:cs typeface="Arial" panose="020B0604020202020204" pitchFamily="34" charset="0"/>
+              </a:rPr>
+              <a:t> </a:t>
+            </a:r>
+            <a:r>
+              <a:rPr kumimoji="1" lang="en-US" altLang="zh-CN" sz="1500" dirty="0">
+                <a:solidFill>
+                  <a:srgbClr val="FF0000"/>
+                </a:solidFill>
+                <a:latin typeface="Arial" panose="020B0604020202020204" pitchFamily="34" charset="0"/>
+                <a:cs typeface="Arial" panose="020B0604020202020204" pitchFamily="34" charset="0"/>
+              </a:rPr>
+              <a:t>t0</a:t>
+            </a:r>
+            <a:r>
+              <a:rPr kumimoji="1" lang="zh-CN" altLang="en-US" sz="1500" dirty="0">
+                <a:solidFill>
+                  <a:srgbClr val="FF0000"/>
+                </a:solidFill>
+                <a:latin typeface="Arial" panose="020B0604020202020204" pitchFamily="34" charset="0"/>
+                <a:cs typeface="Arial" panose="020B0604020202020204" pitchFamily="34" charset="0"/>
+              </a:rPr>
+              <a:t> </a:t>
+            </a:r>
+            <a:r>
+              <a:rPr kumimoji="1" lang="en-US" altLang="zh-CN" sz="1500" dirty="0">
+                <a:solidFill>
+                  <a:srgbClr val="FF0000"/>
+                </a:solidFill>
+                <a:latin typeface="Arial" panose="020B0604020202020204" pitchFamily="34" charset="0"/>
+                <a:cs typeface="Arial" panose="020B0604020202020204" pitchFamily="34" charset="0"/>
+              </a:rPr>
+              <a:t>&gt;</a:t>
+            </a:r>
+            <a:r>
+              <a:rPr kumimoji="1" lang="zh-CN" altLang="en-US" sz="1500" dirty="0">
+                <a:solidFill>
+                  <a:srgbClr val="FF0000"/>
+                </a:solidFill>
+                <a:latin typeface="Arial" panose="020B0604020202020204" pitchFamily="34" charset="0"/>
+                <a:cs typeface="Arial" panose="020B0604020202020204" pitchFamily="34" charset="0"/>
+              </a:rPr>
+              <a:t> </a:t>
+            </a:r>
+            <a:r>
+              <a:rPr kumimoji="1" lang="en-US" altLang="zh-CN" sz="1500" dirty="0">
+                <a:solidFill>
+                  <a:srgbClr val="FF0000"/>
+                </a:solidFill>
+                <a:latin typeface="Arial" panose="020B0604020202020204" pitchFamily="34" charset="0"/>
+                <a:cs typeface="Arial" panose="020B0604020202020204" pitchFamily="34" charset="0"/>
+              </a:rPr>
+              <a:t>t3</a:t>
+            </a:r>
+            <a:r>
+              <a:rPr kumimoji="1" lang="zh-CN" altLang="en-US" sz="1500" dirty="0">
+                <a:solidFill>
+                  <a:srgbClr val="FF0000"/>
+                </a:solidFill>
+                <a:latin typeface="Arial" panose="020B0604020202020204" pitchFamily="34" charset="0"/>
+                <a:cs typeface="Arial" panose="020B0604020202020204" pitchFamily="34" charset="0"/>
+              </a:rPr>
+              <a:t> </a:t>
+            </a:r>
+            <a:r>
+              <a:rPr kumimoji="1" lang="en-US" altLang="zh-CN" sz="1500" dirty="0">
+                <a:solidFill>
+                  <a:srgbClr val="FF0000"/>
+                </a:solidFill>
+                <a:latin typeface="Arial" panose="020B0604020202020204" pitchFamily="34" charset="0"/>
+                <a:cs typeface="Arial" panose="020B0604020202020204" pitchFamily="34" charset="0"/>
+              </a:rPr>
+              <a:t>&gt;</a:t>
+            </a:r>
+            <a:r>
+              <a:rPr kumimoji="1" lang="zh-CN" altLang="en-US" sz="1500" dirty="0">
+                <a:solidFill>
+                  <a:srgbClr val="FF0000"/>
+                </a:solidFill>
+                <a:latin typeface="Arial" panose="020B0604020202020204" pitchFamily="34" charset="0"/>
+                <a:cs typeface="Arial" panose="020B0604020202020204" pitchFamily="34" charset="0"/>
+              </a:rPr>
+              <a:t> </a:t>
+            </a:r>
+            <a:r>
+              <a:rPr kumimoji="1" lang="en-US" altLang="zh-CN" sz="1500" dirty="0">
+                <a:solidFill>
+                  <a:srgbClr val="FF0000"/>
+                </a:solidFill>
+                <a:latin typeface="Arial" panose="020B0604020202020204" pitchFamily="34" charset="0"/>
+                <a:cs typeface="Arial" panose="020B0604020202020204" pitchFamily="34" charset="0"/>
+              </a:rPr>
+              <a:t>t4</a:t>
+            </a:r>
+            <a:endParaRPr kumimoji="1" lang="zh-CN" altLang="en-US" sz="1500" dirty="0">
+              <a:latin typeface="Arial" panose="020B0604020202020204" pitchFamily="34" charset="0"/>
+              <a:cs typeface="Arial" panose="020B0604020202020204" pitchFamily="34" charset="0"/>
+            </a:endParaRPr>
           </a:p>
         </p:txBody>
       </p:sp>

--- a/fig/reorder.pptx
+++ b/fig/reorder.pptx
@@ -5646,8 +5646,8 @@
         </p:nvCxnSpPr>
         <p:spPr>
           <a:xfrm>
-            <a:off x="7225880" y="2243598"/>
-            <a:ext cx="549147" cy="0"/>
+            <a:off x="6946810" y="2243598"/>
+            <a:ext cx="322378" cy="0"/>
           </a:xfrm>
           <a:prstGeom prst="straightConnector1">
             <a:avLst/>
@@ -5688,7 +5688,7 @@
         </p:nvSpPr>
         <p:spPr>
           <a:xfrm>
-            <a:off x="7770802" y="2082016"/>
+            <a:off x="7264963" y="2082016"/>
             <a:ext cx="614271" cy="323165"/>
           </a:xfrm>
           <a:prstGeom prst="rect">
@@ -5757,94 +5757,6 @@
           </a:fontRef>
         </p:style>
       </p:cxnSp>
-      <p:cxnSp>
-        <p:nvCxnSpPr>
-          <p:cNvPr id="117" name="直线箭头连接符 116">
-            <a:extLst>
-              <a:ext uri="{FF2B5EF4-FFF2-40B4-BE49-F238E27FC236}">
-                <a16:creationId xmlns:a16="http://schemas.microsoft.com/office/drawing/2014/main" id="{EFA2501C-E5F3-A065-DF65-F4DC609B7867}"/>
-              </a:ext>
-            </a:extLst>
-          </p:cNvPr>
-          <p:cNvCxnSpPr>
-            <a:cxnSpLocks/>
-          </p:cNvCxnSpPr>
-          <p:nvPr/>
-        </p:nvCxnSpPr>
-        <p:spPr>
-          <a:xfrm flipV="1">
-            <a:off x="7770802" y="709251"/>
-            <a:ext cx="0" cy="468000"/>
-          </a:xfrm>
-          <a:prstGeom prst="straightConnector1">
-            <a:avLst/>
-          </a:prstGeom>
-          <a:ln w="19050">
-            <a:solidFill>
-              <a:schemeClr val="tx1"/>
-            </a:solidFill>
-            <a:prstDash val="dash"/>
-            <a:headEnd w="lg" len="med"/>
-            <a:tailEnd type="triangle" w="lg" len="lg"/>
-          </a:ln>
-        </p:spPr>
-        <p:style>
-          <a:lnRef idx="1">
-            <a:schemeClr val="accent1"/>
-          </a:lnRef>
-          <a:fillRef idx="0">
-            <a:schemeClr val="accent1"/>
-          </a:fillRef>
-          <a:effectRef idx="0">
-            <a:schemeClr val="accent1"/>
-          </a:effectRef>
-          <a:fontRef idx="minor">
-            <a:schemeClr val="tx1"/>
-          </a:fontRef>
-        </p:style>
-      </p:cxnSp>
-      <p:sp>
-        <p:nvSpPr>
-          <p:cNvPr id="118" name="文本框 117">
-            <a:extLst>
-              <a:ext uri="{FF2B5EF4-FFF2-40B4-BE49-F238E27FC236}">
-                <a16:creationId xmlns:a16="http://schemas.microsoft.com/office/drawing/2014/main" id="{C7A92A64-6EC5-1EBF-628E-5BA3FDBC17A9}"/>
-              </a:ext>
-            </a:extLst>
-          </p:cNvPr>
-          <p:cNvSpPr txBox="1"/>
-          <p:nvPr/>
-        </p:nvSpPr>
-        <p:spPr>
-          <a:xfrm>
-            <a:off x="8130741" y="400732"/>
-            <a:ext cx="880369" cy="323165"/>
-          </a:xfrm>
-          <a:prstGeom prst="rect">
-            <a:avLst/>
-          </a:prstGeom>
-          <a:noFill/>
-        </p:spPr>
-        <p:txBody>
-          <a:bodyPr wrap="none" rtlCol="0">
-            <a:spAutoFit/>
-          </a:bodyPr>
-          <a:lstStyle/>
-          <a:p>
-            <a:r>
-              <a:rPr kumimoji="1" lang="en-US" altLang="zh-CN" sz="1500" dirty="0">
-                <a:latin typeface="Arial" panose="020B0604020202020204" pitchFamily="34" charset="0"/>
-                <a:cs typeface="Arial" panose="020B0604020202020204" pitchFamily="34" charset="0"/>
-              </a:rPr>
-              <a:t>prefetch</a:t>
-            </a:r>
-            <a:endParaRPr kumimoji="1" lang="zh-CN" altLang="en-US" sz="1500" dirty="0">
-              <a:latin typeface="Arial" panose="020B0604020202020204" pitchFamily="34" charset="0"/>
-              <a:cs typeface="Arial" panose="020B0604020202020204" pitchFamily="34" charset="0"/>
-            </a:endParaRPr>
-          </a:p>
-        </p:txBody>
-      </p:sp>
       <p:pic>
         <p:nvPicPr>
           <p:cNvPr id="119" name="图片 118">
@@ -5929,10 +5841,10 @@
       </p:sp>
       <p:cxnSp>
         <p:nvCxnSpPr>
-          <p:cNvPr id="121" name="直线箭头连接符 120">
-            <a:extLst>
-              <a:ext uri="{FF2B5EF4-FFF2-40B4-BE49-F238E27FC236}">
-                <a16:creationId xmlns:a16="http://schemas.microsoft.com/office/drawing/2014/main" id="{52A39A5B-56A8-A97C-5CD9-04911AB511E2}"/>
+          <p:cNvPr id="122" name="直线箭头连接符 121">
+            <a:extLst>
+              <a:ext uri="{FF2B5EF4-FFF2-40B4-BE49-F238E27FC236}">
+                <a16:creationId xmlns:a16="http://schemas.microsoft.com/office/drawing/2014/main" id="{DF1D4387-CB4A-5BC8-0DF1-88A12EDE55B8}"/>
               </a:ext>
             </a:extLst>
           </p:cNvPr>
@@ -5943,51 +5855,7 @@
         </p:nvCxnSpPr>
         <p:spPr>
           <a:xfrm flipV="1">
-            <a:off x="7452649" y="3107125"/>
-            <a:ext cx="0" cy="468000"/>
-          </a:xfrm>
-          <a:prstGeom prst="straightConnector1">
-            <a:avLst/>
-          </a:prstGeom>
-          <a:ln w="25400">
-            <a:solidFill>
-              <a:schemeClr val="tx1"/>
-            </a:solidFill>
-            <a:tailEnd type="triangle" w="lg" len="lg"/>
-          </a:ln>
-        </p:spPr>
-        <p:style>
-          <a:lnRef idx="1">
-            <a:schemeClr val="dk1"/>
-          </a:lnRef>
-          <a:fillRef idx="0">
-            <a:schemeClr val="dk1"/>
-          </a:fillRef>
-          <a:effectRef idx="0">
-            <a:schemeClr val="dk1"/>
-          </a:effectRef>
-          <a:fontRef idx="minor">
-            <a:schemeClr val="tx1"/>
-          </a:fontRef>
-        </p:style>
-      </p:cxnSp>
-      <p:cxnSp>
-        <p:nvCxnSpPr>
-          <p:cNvPr id="122" name="直线箭头连接符 121">
-            <a:extLst>
-              <a:ext uri="{FF2B5EF4-FFF2-40B4-BE49-F238E27FC236}">
-                <a16:creationId xmlns:a16="http://schemas.microsoft.com/office/drawing/2014/main" id="{DF1D4387-CB4A-5BC8-0DF1-88A12EDE55B8}"/>
-              </a:ext>
-            </a:extLst>
-          </p:cNvPr>
-          <p:cNvCxnSpPr>
-            <a:cxnSpLocks/>
-          </p:cNvCxnSpPr>
-          <p:nvPr/>
-        </p:nvCxnSpPr>
-        <p:spPr>
-          <a:xfrm flipV="1">
-            <a:off x="7647091" y="3109640"/>
+            <a:off x="7559541" y="3109640"/>
             <a:ext cx="0" cy="456623"/>
           </a:xfrm>
           <a:prstGeom prst="straightConnector1">
@@ -6245,7 +6113,7 @@
                 <a:latin typeface="Arial" panose="020B0604020202020204" pitchFamily="34" charset="0"/>
                 <a:cs typeface="Arial" panose="020B0604020202020204" pitchFamily="34" charset="0"/>
               </a:rPr>
-              <a:t>t3</a:t>
+              <a:t>t4</a:t>
             </a:r>
             <a:r>
               <a:rPr kumimoji="1" lang="zh-CN" altLang="en-US" sz="1500" dirty="0">
@@ -6285,7 +6153,95 @@
                 <a:latin typeface="Arial" panose="020B0604020202020204" pitchFamily="34" charset="0"/>
                 <a:cs typeface="Arial" panose="020B0604020202020204" pitchFamily="34" charset="0"/>
               </a:rPr>
-              <a:t>t4</a:t>
+              <a:t>t3</a:t>
+            </a:r>
+            <a:endParaRPr kumimoji="1" lang="zh-CN" altLang="en-US" sz="1500" dirty="0">
+              <a:latin typeface="Arial" panose="020B0604020202020204" pitchFamily="34" charset="0"/>
+              <a:cs typeface="Arial" panose="020B0604020202020204" pitchFamily="34" charset="0"/>
+            </a:endParaRPr>
+          </a:p>
+        </p:txBody>
+      </p:sp>
+      <p:cxnSp>
+        <p:nvCxnSpPr>
+          <p:cNvPr id="132" name="直线箭头连接符 131">
+            <a:extLst>
+              <a:ext uri="{FF2B5EF4-FFF2-40B4-BE49-F238E27FC236}">
+                <a16:creationId xmlns:a16="http://schemas.microsoft.com/office/drawing/2014/main" id="{F2E5B4A0-F813-56DC-C58E-3560BF0148B8}"/>
+              </a:ext>
+            </a:extLst>
+          </p:cNvPr>
+          <p:cNvCxnSpPr>
+            <a:cxnSpLocks/>
+          </p:cNvCxnSpPr>
+          <p:nvPr/>
+        </p:nvCxnSpPr>
+        <p:spPr>
+          <a:xfrm>
+            <a:off x="7945637" y="2262363"/>
+            <a:ext cx="322378" cy="0"/>
+          </a:xfrm>
+          <a:prstGeom prst="straightConnector1">
+            <a:avLst/>
+          </a:prstGeom>
+          <a:ln w="19050">
+            <a:solidFill>
+              <a:schemeClr val="tx1"/>
+            </a:solidFill>
+            <a:prstDash val="dash"/>
+            <a:headEnd w="lg" len="med"/>
+            <a:tailEnd type="triangle" w="lg" len="lg"/>
+          </a:ln>
+        </p:spPr>
+        <p:style>
+          <a:lnRef idx="1">
+            <a:schemeClr val="accent1"/>
+          </a:lnRef>
+          <a:fillRef idx="0">
+            <a:schemeClr val="accent1"/>
+          </a:fillRef>
+          <a:effectRef idx="0">
+            <a:schemeClr val="accent1"/>
+          </a:effectRef>
+          <a:fontRef idx="minor">
+            <a:schemeClr val="tx1"/>
+          </a:fontRef>
+        </p:style>
+      </p:cxnSp>
+      <p:sp>
+        <p:nvSpPr>
+          <p:cNvPr id="133" name="文本框 132">
+            <a:extLst>
+              <a:ext uri="{FF2B5EF4-FFF2-40B4-BE49-F238E27FC236}">
+                <a16:creationId xmlns:a16="http://schemas.microsoft.com/office/drawing/2014/main" id="{93083BA5-B8A5-43D9-4F21-4D5F0834F855}"/>
+              </a:ext>
+            </a:extLst>
+          </p:cNvPr>
+          <p:cNvSpPr txBox="1"/>
+          <p:nvPr/>
+        </p:nvSpPr>
+        <p:spPr>
+          <a:xfrm>
+            <a:off x="8263790" y="2100781"/>
+            <a:ext cx="901209" cy="323165"/>
+          </a:xfrm>
+          <a:prstGeom prst="rect">
+            <a:avLst/>
+          </a:prstGeom>
+          <a:noFill/>
+        </p:spPr>
+        <p:txBody>
+          <a:bodyPr wrap="none" rtlCol="0">
+            <a:spAutoFit/>
+          </a:bodyPr>
+          <a:lstStyle/>
+          <a:p>
+            <a:r>
+              <a:rPr kumimoji="1" lang="en-US" altLang="zh-CN" sz="1500" dirty="0">
+                <a:latin typeface="Arial" panose="020B0604020202020204" pitchFamily="34" charset="0"/>
+                <a:cs typeface="Arial" panose="020B0604020202020204" pitchFamily="34" charset="0"/>
+              </a:rPr>
+              <a:t>Prefetch</a:t>
             </a:r>
             <a:endParaRPr kumimoji="1" lang="zh-CN" altLang="en-US" sz="1500" dirty="0">
               <a:latin typeface="Arial" panose="020B0604020202020204" pitchFamily="34" charset="0"/>
